--- a/Bao_cao_Do_an.pptx
+++ b/Bao_cao_Do_an.pptx
@@ -4,6 +4,9 @@
   <p:sldMasterIdLst>
     <p:sldMasterId id="2147483660" r:id="rId1"/>
   </p:sldMasterIdLst>
+  <p:notesMasterIdLst>
+    <p:notesMasterId r:id="rId17"/>
+  </p:notesMasterIdLst>
   <p:sldIdLst>
     <p:sldId id="256" r:id="rId2"/>
     <p:sldId id="257" r:id="rId3"/>
@@ -512,6 +515,1354 @@
     </pc:docChg>
   </pc:docChgLst>
 </pc:chgInfo>
+</file>
+
+<file path=ppt/notesMasters/notesMaster1.xml><?xml version="1.0" encoding="utf-8"?>
+<p:notesMaster xmlns:a="http://schemas.openxmlformats.org/drawingml/2006/main" xmlns:r="http://schemas.openxmlformats.org/officeDocument/2006/relationships" xmlns:p="http://schemas.openxmlformats.org/presentationml/2006/main">
+  <p:cSld>
+    <p:bg>
+      <p:bgRef idx="1001">
+        <a:schemeClr val="bg1"/>
+      </p:bgRef>
+    </p:bg>
+    <p:spTree>
+      <p:nvGrpSpPr>
+        <p:cNvPr id="1" name=""/>
+        <p:cNvGrpSpPr/>
+        <p:nvPr/>
+      </p:nvGrpSpPr>
+      <p:grpSpPr>
+        <a:xfrm>
+          <a:off x="0" y="0"/>
+          <a:ext cx="0" cy="0"/>
+          <a:chOff x="0" y="0"/>
+          <a:chExt cx="0" cy="0"/>
+        </a:xfrm>
+      </p:grpSpPr>
+      <p:sp>
+        <p:nvSpPr>
+          <p:cNvPr id="2" name="Header Placeholder 1"/>
+          <p:cNvSpPr>
+            <a:spLocks noGrp="1"/>
+          </p:cNvSpPr>
+          <p:nvPr>
+            <p:ph type="hdr" sz="quarter"/>
+          </p:nvPr>
+        </p:nvSpPr>
+        <p:spPr>
+          <a:xfrm>
+            <a:off x="0" y="0"/>
+            <a:ext cx="2971800" cy="458788"/>
+          </a:xfrm>
+          <a:prstGeom prst="rect">
+            <a:avLst/>
+          </a:prstGeom>
+        </p:spPr>
+        <p:txBody>
+          <a:bodyPr vert="horz" lIns="91440" tIns="45720" rIns="91440" bIns="45720" rtlCol="0"/>
+          <a:lstStyle>
+            <a:lvl1pPr algn="l">
+              <a:defRPr sz="1200"/>
+            </a:lvl1pPr>
+          </a:lstStyle>
+          <a:p>
+            <a:endParaRPr lang="en-US"/>
+          </a:p>
+        </p:txBody>
+      </p:sp>
+      <p:sp>
+        <p:nvSpPr>
+          <p:cNvPr id="3" name="Date Placeholder 2"/>
+          <p:cNvSpPr>
+            <a:spLocks noGrp="1"/>
+          </p:cNvSpPr>
+          <p:nvPr>
+            <p:ph type="dt" idx="1"/>
+          </p:nvPr>
+        </p:nvSpPr>
+        <p:spPr>
+          <a:xfrm>
+            <a:off x="3884613" y="0"/>
+            <a:ext cx="2971800" cy="458788"/>
+          </a:xfrm>
+          <a:prstGeom prst="rect">
+            <a:avLst/>
+          </a:prstGeom>
+        </p:spPr>
+        <p:txBody>
+          <a:bodyPr vert="horz" lIns="91440" tIns="45720" rIns="91440" bIns="45720" rtlCol="0"/>
+          <a:lstStyle>
+            <a:lvl1pPr algn="r">
+              <a:defRPr sz="1200"/>
+            </a:lvl1pPr>
+          </a:lstStyle>
+          <a:p>
+            <a:fld id="{121DB743-BB01-4D7D-A06D-0A26E5B0A987}" type="datetimeFigureOut">
+              <a:rPr lang="en-US" smtClean="0"/>
+              <a:t>7/12/2021</a:t>
+            </a:fld>
+            <a:endParaRPr lang="en-US"/>
+          </a:p>
+        </p:txBody>
+      </p:sp>
+      <p:sp>
+        <p:nvSpPr>
+          <p:cNvPr id="4" name="Slide Image Placeholder 3"/>
+          <p:cNvSpPr>
+            <a:spLocks noGrp="1" noRot="1" noChangeAspect="1"/>
+          </p:cNvSpPr>
+          <p:nvPr>
+            <p:ph type="sldImg" idx="2"/>
+          </p:nvPr>
+        </p:nvSpPr>
+        <p:spPr>
+          <a:xfrm>
+            <a:off x="685800" y="1143000"/>
+            <a:ext cx="5486400" cy="3086100"/>
+          </a:xfrm>
+          <a:prstGeom prst="rect">
+            <a:avLst/>
+          </a:prstGeom>
+          <a:noFill/>
+          <a:ln w="12700">
+            <a:solidFill>
+              <a:prstClr val="black"/>
+            </a:solidFill>
+          </a:ln>
+        </p:spPr>
+        <p:txBody>
+          <a:bodyPr vert="horz" lIns="91440" tIns="45720" rIns="91440" bIns="45720" rtlCol="0" anchor="ctr"/>
+          <a:lstStyle/>
+          <a:p>
+            <a:endParaRPr lang="en-US"/>
+          </a:p>
+        </p:txBody>
+      </p:sp>
+      <p:sp>
+        <p:nvSpPr>
+          <p:cNvPr id="5" name="Notes Placeholder 4"/>
+          <p:cNvSpPr>
+            <a:spLocks noGrp="1"/>
+          </p:cNvSpPr>
+          <p:nvPr>
+            <p:ph type="body" sz="quarter" idx="3"/>
+          </p:nvPr>
+        </p:nvSpPr>
+        <p:spPr>
+          <a:xfrm>
+            <a:off x="685800" y="4400550"/>
+            <a:ext cx="5486400" cy="3600450"/>
+          </a:xfrm>
+          <a:prstGeom prst="rect">
+            <a:avLst/>
+          </a:prstGeom>
+        </p:spPr>
+        <p:txBody>
+          <a:bodyPr vert="horz" lIns="91440" tIns="45720" rIns="91440" bIns="45720" rtlCol="0"/>
+          <a:lstStyle/>
+          <a:p>
+            <a:pPr lvl="0"/>
+            <a:r>
+              <a:rPr lang="en-US"/>
+              <a:t>Click to edit Master text styles</a:t>
+            </a:r>
+          </a:p>
+          <a:p>
+            <a:pPr lvl="1"/>
+            <a:r>
+              <a:rPr lang="en-US"/>
+              <a:t>Second level</a:t>
+            </a:r>
+          </a:p>
+          <a:p>
+            <a:pPr lvl="2"/>
+            <a:r>
+              <a:rPr lang="en-US"/>
+              <a:t>Third level</a:t>
+            </a:r>
+          </a:p>
+          <a:p>
+            <a:pPr lvl="3"/>
+            <a:r>
+              <a:rPr lang="en-US"/>
+              <a:t>Fourth level</a:t>
+            </a:r>
+          </a:p>
+          <a:p>
+            <a:pPr lvl="4"/>
+            <a:r>
+              <a:rPr lang="en-US"/>
+              <a:t>Fifth level</a:t>
+            </a:r>
+          </a:p>
+        </p:txBody>
+      </p:sp>
+      <p:sp>
+        <p:nvSpPr>
+          <p:cNvPr id="6" name="Footer Placeholder 5"/>
+          <p:cNvSpPr>
+            <a:spLocks noGrp="1"/>
+          </p:cNvSpPr>
+          <p:nvPr>
+            <p:ph type="ftr" sz="quarter" idx="4"/>
+          </p:nvPr>
+        </p:nvSpPr>
+        <p:spPr>
+          <a:xfrm>
+            <a:off x="0" y="8685213"/>
+            <a:ext cx="2971800" cy="458787"/>
+          </a:xfrm>
+          <a:prstGeom prst="rect">
+            <a:avLst/>
+          </a:prstGeom>
+        </p:spPr>
+        <p:txBody>
+          <a:bodyPr vert="horz" lIns="91440" tIns="45720" rIns="91440" bIns="45720" rtlCol="0" anchor="b"/>
+          <a:lstStyle>
+            <a:lvl1pPr algn="l">
+              <a:defRPr sz="1200"/>
+            </a:lvl1pPr>
+          </a:lstStyle>
+          <a:p>
+            <a:endParaRPr lang="en-US"/>
+          </a:p>
+        </p:txBody>
+      </p:sp>
+      <p:sp>
+        <p:nvSpPr>
+          <p:cNvPr id="7" name="Slide Number Placeholder 6"/>
+          <p:cNvSpPr>
+            <a:spLocks noGrp="1"/>
+          </p:cNvSpPr>
+          <p:nvPr>
+            <p:ph type="sldNum" sz="quarter" idx="5"/>
+          </p:nvPr>
+        </p:nvSpPr>
+        <p:spPr>
+          <a:xfrm>
+            <a:off x="3884613" y="8685213"/>
+            <a:ext cx="2971800" cy="458787"/>
+          </a:xfrm>
+          <a:prstGeom prst="rect">
+            <a:avLst/>
+          </a:prstGeom>
+        </p:spPr>
+        <p:txBody>
+          <a:bodyPr vert="horz" lIns="91440" tIns="45720" rIns="91440" bIns="45720" rtlCol="0" anchor="b"/>
+          <a:lstStyle>
+            <a:lvl1pPr algn="r">
+              <a:defRPr sz="1200"/>
+            </a:lvl1pPr>
+          </a:lstStyle>
+          <a:p>
+            <a:fld id="{1D917B78-6701-47BB-98C6-CDD1C3228D16}" type="slidenum">
+              <a:rPr lang="en-US" smtClean="0"/>
+              <a:t>‹#›</a:t>
+            </a:fld>
+            <a:endParaRPr lang="en-US"/>
+          </a:p>
+        </p:txBody>
+      </p:sp>
+    </p:spTree>
+    <p:extLst>
+      <p:ext uri="{BB962C8B-B14F-4D97-AF65-F5344CB8AC3E}">
+        <p14:creationId xmlns:p14="http://schemas.microsoft.com/office/powerpoint/2010/main" val="1782029297"/>
+      </p:ext>
+    </p:extLst>
+  </p:cSld>
+  <p:clrMap bg1="lt1" tx1="dk1" bg2="lt2" tx2="dk2" accent1="accent1" accent2="accent2" accent3="accent3" accent4="accent4" accent5="accent5" accent6="accent6" hlink="hlink" folHlink="folHlink"/>
+  <p:notesStyle>
+    <a:lvl1pPr marL="0" algn="l" defTabSz="914400" rtl="0" eaLnBrk="1" latinLnBrk="0" hangingPunct="1">
+      <a:defRPr sz="1200" kern="1200">
+        <a:solidFill>
+          <a:schemeClr val="tx1"/>
+        </a:solidFill>
+        <a:latin typeface="+mn-lt"/>
+        <a:ea typeface="+mn-ea"/>
+        <a:cs typeface="+mn-cs"/>
+      </a:defRPr>
+    </a:lvl1pPr>
+    <a:lvl2pPr marL="457200" algn="l" defTabSz="914400" rtl="0" eaLnBrk="1" latinLnBrk="0" hangingPunct="1">
+      <a:defRPr sz="1200" kern="1200">
+        <a:solidFill>
+          <a:schemeClr val="tx1"/>
+        </a:solidFill>
+        <a:latin typeface="+mn-lt"/>
+        <a:ea typeface="+mn-ea"/>
+        <a:cs typeface="+mn-cs"/>
+      </a:defRPr>
+    </a:lvl2pPr>
+    <a:lvl3pPr marL="914400" algn="l" defTabSz="914400" rtl="0" eaLnBrk="1" latinLnBrk="0" hangingPunct="1">
+      <a:defRPr sz="1200" kern="1200">
+        <a:solidFill>
+          <a:schemeClr val="tx1"/>
+        </a:solidFill>
+        <a:latin typeface="+mn-lt"/>
+        <a:ea typeface="+mn-ea"/>
+        <a:cs typeface="+mn-cs"/>
+      </a:defRPr>
+    </a:lvl3pPr>
+    <a:lvl4pPr marL="1371600" algn="l" defTabSz="914400" rtl="0" eaLnBrk="1" latinLnBrk="0" hangingPunct="1">
+      <a:defRPr sz="1200" kern="1200">
+        <a:solidFill>
+          <a:schemeClr val="tx1"/>
+        </a:solidFill>
+        <a:latin typeface="+mn-lt"/>
+        <a:ea typeface="+mn-ea"/>
+        <a:cs typeface="+mn-cs"/>
+      </a:defRPr>
+    </a:lvl4pPr>
+    <a:lvl5pPr marL="1828800" algn="l" defTabSz="914400" rtl="0" eaLnBrk="1" latinLnBrk="0" hangingPunct="1">
+      <a:defRPr sz="1200" kern="1200">
+        <a:solidFill>
+          <a:schemeClr val="tx1"/>
+        </a:solidFill>
+        <a:latin typeface="+mn-lt"/>
+        <a:ea typeface="+mn-ea"/>
+        <a:cs typeface="+mn-cs"/>
+      </a:defRPr>
+    </a:lvl5pPr>
+    <a:lvl6pPr marL="2286000" algn="l" defTabSz="914400" rtl="0" eaLnBrk="1" latinLnBrk="0" hangingPunct="1">
+      <a:defRPr sz="1200" kern="1200">
+        <a:solidFill>
+          <a:schemeClr val="tx1"/>
+        </a:solidFill>
+        <a:latin typeface="+mn-lt"/>
+        <a:ea typeface="+mn-ea"/>
+        <a:cs typeface="+mn-cs"/>
+      </a:defRPr>
+    </a:lvl6pPr>
+    <a:lvl7pPr marL="2743200" algn="l" defTabSz="914400" rtl="0" eaLnBrk="1" latinLnBrk="0" hangingPunct="1">
+      <a:defRPr sz="1200" kern="1200">
+        <a:solidFill>
+          <a:schemeClr val="tx1"/>
+        </a:solidFill>
+        <a:latin typeface="+mn-lt"/>
+        <a:ea typeface="+mn-ea"/>
+        <a:cs typeface="+mn-cs"/>
+      </a:defRPr>
+    </a:lvl7pPr>
+    <a:lvl8pPr marL="3200400" algn="l" defTabSz="914400" rtl="0" eaLnBrk="1" latinLnBrk="0" hangingPunct="1">
+      <a:defRPr sz="1200" kern="1200">
+        <a:solidFill>
+          <a:schemeClr val="tx1"/>
+        </a:solidFill>
+        <a:latin typeface="+mn-lt"/>
+        <a:ea typeface="+mn-ea"/>
+        <a:cs typeface="+mn-cs"/>
+      </a:defRPr>
+    </a:lvl8pPr>
+    <a:lvl9pPr marL="3657600" algn="l" defTabSz="914400" rtl="0" eaLnBrk="1" latinLnBrk="0" hangingPunct="1">
+      <a:defRPr sz="1200" kern="1200">
+        <a:solidFill>
+          <a:schemeClr val="tx1"/>
+        </a:solidFill>
+        <a:latin typeface="+mn-lt"/>
+        <a:ea typeface="+mn-ea"/>
+        <a:cs typeface="+mn-cs"/>
+      </a:defRPr>
+    </a:lvl9pPr>
+  </p:notesStyle>
+</p:notesMaster>
+</file>
+
+<file path=ppt/notesSlides/notesSlide1.xml><?xml version="1.0" encoding="utf-8"?>
+<p:notes xmlns:a="http://schemas.openxmlformats.org/drawingml/2006/main" xmlns:r="http://schemas.openxmlformats.org/officeDocument/2006/relationships" xmlns:p="http://schemas.openxmlformats.org/presentationml/2006/main">
+  <p:cSld>
+    <p:spTree>
+      <p:nvGrpSpPr>
+        <p:cNvPr id="1" name=""/>
+        <p:cNvGrpSpPr/>
+        <p:nvPr/>
+      </p:nvGrpSpPr>
+      <p:grpSpPr>
+        <a:xfrm>
+          <a:off x="0" y="0"/>
+          <a:ext cx="0" cy="0"/>
+          <a:chOff x="0" y="0"/>
+          <a:chExt cx="0" cy="0"/>
+        </a:xfrm>
+      </p:grpSpPr>
+      <p:sp>
+        <p:nvSpPr>
+          <p:cNvPr id="2" name="Slide Image Placeholder 1"/>
+          <p:cNvSpPr>
+            <a:spLocks noGrp="1" noRot="1" noChangeAspect="1"/>
+          </p:cNvSpPr>
+          <p:nvPr>
+            <p:ph type="sldImg"/>
+          </p:nvPr>
+        </p:nvSpPr>
+        <p:spPr/>
+      </p:sp>
+      <p:sp>
+        <p:nvSpPr>
+          <p:cNvPr id="3" name="Notes Placeholder 2"/>
+          <p:cNvSpPr>
+            <a:spLocks noGrp="1"/>
+          </p:cNvSpPr>
+          <p:nvPr>
+            <p:ph type="body" idx="1"/>
+          </p:nvPr>
+        </p:nvSpPr>
+        <p:spPr/>
+        <p:txBody>
+          <a:bodyPr/>
+          <a:lstStyle/>
+          <a:p>
+            <a:r>
+              <a:rPr lang="vi-VN" dirty="0" err="1"/>
+              <a:t>Ontology</a:t>
+            </a:r>
+            <a:r>
+              <a:rPr lang="vi-VN" dirty="0"/>
+              <a:t> </a:t>
+            </a:r>
+            <a:r>
+              <a:rPr lang="vi-VN" dirty="0" err="1"/>
+              <a:t>là</a:t>
+            </a:r>
+            <a:r>
+              <a:rPr lang="vi-VN" dirty="0"/>
+              <a:t> </a:t>
+            </a:r>
+            <a:r>
+              <a:rPr lang="vi-VN" dirty="0" err="1"/>
+              <a:t>một</a:t>
+            </a:r>
+            <a:r>
+              <a:rPr lang="vi-VN" dirty="0"/>
+              <a:t> phương </a:t>
+            </a:r>
+            <a:r>
+              <a:rPr lang="vi-VN" dirty="0" err="1"/>
+              <a:t>pháp</a:t>
+            </a:r>
+            <a:r>
+              <a:rPr lang="vi-VN" dirty="0"/>
+              <a:t> </a:t>
+            </a:r>
+            <a:r>
+              <a:rPr lang="vi-VN" dirty="0" err="1"/>
+              <a:t>hữu</a:t>
+            </a:r>
+            <a:r>
+              <a:rPr lang="vi-VN" dirty="0"/>
+              <a:t> </a:t>
+            </a:r>
+            <a:r>
+              <a:rPr lang="vi-VN" dirty="0" err="1"/>
+              <a:t>ích</a:t>
+            </a:r>
+            <a:r>
+              <a:rPr lang="vi-VN" dirty="0"/>
+              <a:t> </a:t>
+            </a:r>
+            <a:r>
+              <a:rPr lang="vi-VN" dirty="0" err="1"/>
+              <a:t>để</a:t>
+            </a:r>
+            <a:r>
+              <a:rPr lang="vi-VN" dirty="0"/>
+              <a:t> </a:t>
+            </a:r>
+            <a:r>
+              <a:rPr lang="vi-VN" dirty="0" err="1"/>
+              <a:t>tổ</a:t>
+            </a:r>
+            <a:r>
+              <a:rPr lang="vi-VN" dirty="0"/>
+              <a:t> </a:t>
+            </a:r>
+            <a:r>
+              <a:rPr lang="vi-VN" dirty="0" err="1"/>
+              <a:t>chức</a:t>
+            </a:r>
+            <a:r>
+              <a:rPr lang="vi-VN" dirty="0"/>
+              <a:t> cơ </a:t>
+            </a:r>
+            <a:r>
+              <a:rPr lang="vi-VN" dirty="0" err="1"/>
+              <a:t>sở</a:t>
+            </a:r>
+            <a:r>
+              <a:rPr lang="vi-VN" dirty="0"/>
+              <a:t> tri </a:t>
+            </a:r>
+            <a:r>
+              <a:rPr lang="vi-VN" dirty="0" err="1"/>
+              <a:t>thức</a:t>
+            </a:r>
+            <a:r>
+              <a:rPr lang="vi-VN" dirty="0"/>
+              <a:t> cho </a:t>
+            </a:r>
+            <a:r>
+              <a:rPr lang="vi-VN" dirty="0" err="1"/>
+              <a:t>các</a:t>
+            </a:r>
+            <a:r>
+              <a:rPr lang="vi-VN" dirty="0"/>
+              <a:t> </a:t>
+            </a:r>
+            <a:r>
+              <a:rPr lang="vi-VN" dirty="0" err="1"/>
+              <a:t>hệ</a:t>
+            </a:r>
+            <a:r>
+              <a:rPr lang="vi-VN" dirty="0"/>
+              <a:t> </a:t>
+            </a:r>
+            <a:r>
+              <a:rPr lang="vi-VN" dirty="0" err="1"/>
+              <a:t>thống</a:t>
+            </a:r>
+            <a:r>
+              <a:rPr lang="vi-VN" dirty="0"/>
+              <a:t> </a:t>
+            </a:r>
+            <a:r>
+              <a:rPr lang="vi-VN" dirty="0" err="1"/>
+              <a:t>giáo</a:t>
+            </a:r>
+            <a:r>
+              <a:rPr lang="vi-VN" dirty="0"/>
+              <a:t> </a:t>
+            </a:r>
+            <a:r>
+              <a:rPr lang="vi-VN" dirty="0" err="1"/>
+              <a:t>dục</a:t>
+            </a:r>
+            <a:r>
+              <a:rPr lang="vi-VN" dirty="0"/>
+              <a:t> thông minh.</a:t>
+            </a:r>
+          </a:p>
+          <a:p>
+            <a:r>
+              <a:rPr lang="vi-VN" dirty="0" err="1"/>
+              <a:t>Rela-model</a:t>
+            </a:r>
+            <a:r>
+              <a:rPr lang="vi-VN" dirty="0"/>
+              <a:t> </a:t>
+            </a:r>
+            <a:r>
+              <a:rPr lang="vi-VN" dirty="0" err="1"/>
+              <a:t>là</a:t>
+            </a:r>
+            <a:r>
+              <a:rPr lang="vi-VN" dirty="0"/>
+              <a:t> </a:t>
+            </a:r>
+            <a:r>
+              <a:rPr lang="vi-VN" dirty="0" err="1"/>
+              <a:t>ontology</a:t>
+            </a:r>
+            <a:r>
+              <a:rPr lang="vi-VN" dirty="0"/>
+              <a:t> </a:t>
+            </a:r>
+            <a:r>
+              <a:rPr lang="vi-VN" dirty="0" err="1"/>
+              <a:t>biểu</a:t>
+            </a:r>
+            <a:r>
+              <a:rPr lang="vi-VN" dirty="0"/>
+              <a:t> </a:t>
+            </a:r>
+            <a:r>
+              <a:rPr lang="vi-VN" dirty="0" err="1"/>
+              <a:t>diễn</a:t>
+            </a:r>
+            <a:r>
+              <a:rPr lang="vi-VN" dirty="0"/>
+              <a:t> tri </a:t>
+            </a:r>
+            <a:r>
+              <a:rPr lang="vi-VN" dirty="0" err="1"/>
+              <a:t>thức</a:t>
+            </a:r>
+            <a:r>
+              <a:rPr lang="vi-VN" dirty="0"/>
+              <a:t> quan </a:t>
+            </a:r>
+            <a:r>
+              <a:rPr lang="vi-VN" dirty="0" err="1"/>
+              <a:t>hệ</a:t>
+            </a:r>
+            <a:r>
+              <a:rPr lang="vi-VN" dirty="0"/>
+              <a:t> </a:t>
+            </a:r>
+            <a:r>
+              <a:rPr lang="vi-VN" dirty="0" err="1"/>
+              <a:t>và</a:t>
+            </a:r>
+            <a:r>
+              <a:rPr lang="vi-VN" dirty="0"/>
+              <a:t> </a:t>
+            </a:r>
+            <a:r>
+              <a:rPr lang="vi-VN" dirty="0" err="1"/>
+              <a:t>đã</a:t>
+            </a:r>
+            <a:r>
+              <a:rPr lang="vi-VN" dirty="0"/>
+              <a:t> </a:t>
+            </a:r>
+            <a:r>
+              <a:rPr lang="vi-VN" dirty="0" err="1"/>
+              <a:t>được</a:t>
+            </a:r>
+            <a:r>
+              <a:rPr lang="vi-VN" dirty="0"/>
+              <a:t> </a:t>
+            </a:r>
+            <a:r>
+              <a:rPr lang="vi-VN" dirty="0" err="1"/>
+              <a:t>ứng</a:t>
+            </a:r>
+            <a:r>
+              <a:rPr lang="vi-VN" dirty="0"/>
+              <a:t> </a:t>
+            </a:r>
+            <a:r>
+              <a:rPr lang="vi-VN" dirty="0" err="1"/>
+              <a:t>dụng</a:t>
+            </a:r>
+            <a:r>
+              <a:rPr lang="vi-VN" dirty="0"/>
+              <a:t> trong </a:t>
+            </a:r>
+            <a:r>
+              <a:rPr lang="vi-VN" dirty="0" err="1"/>
+              <a:t>việc</a:t>
+            </a:r>
+            <a:r>
+              <a:rPr lang="vi-VN" dirty="0"/>
+              <a:t> </a:t>
+            </a:r>
+            <a:r>
+              <a:rPr lang="vi-VN" dirty="0" err="1"/>
+              <a:t>biểu</a:t>
+            </a:r>
+            <a:r>
+              <a:rPr lang="vi-VN" dirty="0"/>
+              <a:t> </a:t>
+            </a:r>
+            <a:r>
+              <a:rPr lang="vi-VN" dirty="0" err="1"/>
+              <a:t>diễn</a:t>
+            </a:r>
+            <a:r>
+              <a:rPr lang="vi-VN" dirty="0"/>
+              <a:t> </a:t>
+            </a:r>
+            <a:r>
+              <a:rPr lang="vi-VN" dirty="0" err="1"/>
+              <a:t>các</a:t>
+            </a:r>
+            <a:r>
+              <a:rPr lang="vi-VN" dirty="0"/>
+              <a:t> </a:t>
+            </a:r>
+            <a:r>
+              <a:rPr lang="vi-VN" dirty="0" err="1"/>
+              <a:t>miền</a:t>
+            </a:r>
+            <a:r>
+              <a:rPr lang="vi-VN" dirty="0"/>
+              <a:t> tri </a:t>
+            </a:r>
+            <a:r>
+              <a:rPr lang="vi-VN" dirty="0" err="1"/>
+              <a:t>thức</a:t>
+            </a:r>
+            <a:r>
+              <a:rPr lang="vi-VN" dirty="0"/>
+              <a:t> trong </a:t>
+            </a:r>
+            <a:r>
+              <a:rPr lang="vi-VN" dirty="0" err="1"/>
+              <a:t>giáo</a:t>
+            </a:r>
+            <a:r>
+              <a:rPr lang="vi-VN" dirty="0"/>
+              <a:t> </a:t>
+            </a:r>
+            <a:r>
+              <a:rPr lang="vi-VN" dirty="0" err="1"/>
+              <a:t>dục</a:t>
+            </a:r>
+            <a:r>
+              <a:rPr lang="vi-VN" dirty="0"/>
+              <a:t> </a:t>
+            </a:r>
+            <a:r>
+              <a:rPr lang="vi-VN" dirty="0" err="1"/>
+              <a:t>và</a:t>
+            </a:r>
+            <a:r>
+              <a:rPr lang="vi-VN" dirty="0"/>
+              <a:t> y khoa</a:t>
+            </a:r>
+          </a:p>
+          <a:p>
+            <a:r>
+              <a:rPr lang="vi-VN" dirty="0" err="1"/>
+              <a:t>Ontology</a:t>
+            </a:r>
+            <a:r>
+              <a:rPr lang="vi-VN" dirty="0"/>
+              <a:t> COKB (</a:t>
+            </a:r>
+            <a:r>
+              <a:rPr lang="vi-VN" dirty="0" err="1"/>
+              <a:t>Computational</a:t>
+            </a:r>
+            <a:r>
+              <a:rPr lang="vi-VN" dirty="0"/>
+              <a:t> </a:t>
+            </a:r>
+            <a:r>
+              <a:rPr lang="vi-VN" dirty="0" err="1"/>
+              <a:t>Object</a:t>
+            </a:r>
+            <a:r>
+              <a:rPr lang="vi-VN" dirty="0"/>
+              <a:t> </a:t>
+            </a:r>
+            <a:r>
+              <a:rPr lang="vi-VN" dirty="0" err="1"/>
+              <a:t>Knowledge</a:t>
+            </a:r>
+            <a:r>
+              <a:rPr lang="vi-VN" dirty="0"/>
+              <a:t> </a:t>
+            </a:r>
+            <a:r>
+              <a:rPr lang="vi-VN" dirty="0" err="1"/>
+              <a:t>Base</a:t>
+            </a:r>
+            <a:r>
+              <a:rPr lang="vi-VN" dirty="0"/>
+              <a:t>) </a:t>
+            </a:r>
+            <a:r>
+              <a:rPr lang="vi-VN" dirty="0" err="1"/>
+              <a:t>biểu</a:t>
+            </a:r>
+            <a:r>
+              <a:rPr lang="vi-VN" dirty="0"/>
+              <a:t> </a:t>
+            </a:r>
+            <a:r>
+              <a:rPr lang="vi-VN" dirty="0" err="1"/>
+              <a:t>diễn</a:t>
+            </a:r>
+            <a:r>
+              <a:rPr lang="vi-VN" dirty="0"/>
+              <a:t> tri </a:t>
+            </a:r>
+            <a:r>
+              <a:rPr lang="vi-VN" dirty="0" err="1"/>
+              <a:t>thức</a:t>
+            </a:r>
+            <a:r>
+              <a:rPr lang="vi-VN" dirty="0"/>
+              <a:t> </a:t>
+            </a:r>
+            <a:r>
+              <a:rPr lang="vi-VN" dirty="0" err="1"/>
+              <a:t>về</a:t>
+            </a:r>
+            <a:r>
+              <a:rPr lang="vi-VN" dirty="0"/>
+              <a:t> </a:t>
+            </a:r>
+            <a:r>
+              <a:rPr lang="vi-VN" dirty="0" err="1"/>
+              <a:t>các</a:t>
+            </a:r>
+            <a:r>
+              <a:rPr lang="vi-VN" dirty="0"/>
+              <a:t> </a:t>
+            </a:r>
+            <a:r>
+              <a:rPr lang="vi-VN" dirty="0" err="1"/>
+              <a:t>đối</a:t>
+            </a:r>
+            <a:r>
+              <a:rPr lang="vi-VN" dirty="0"/>
+              <a:t> </a:t>
+            </a:r>
+            <a:r>
+              <a:rPr lang="vi-VN" dirty="0" err="1"/>
+              <a:t>tượng</a:t>
+            </a:r>
+            <a:r>
+              <a:rPr lang="vi-VN" dirty="0"/>
+              <a:t> </a:t>
+            </a:r>
+            <a:r>
+              <a:rPr lang="vi-VN" dirty="0" err="1"/>
+              <a:t>tính</a:t>
+            </a:r>
+            <a:r>
+              <a:rPr lang="vi-VN" dirty="0"/>
+              <a:t> </a:t>
+            </a:r>
+            <a:r>
+              <a:rPr lang="vi-VN" dirty="0" err="1"/>
+              <a:t>toán</a:t>
+            </a:r>
+            <a:r>
+              <a:rPr lang="vi-VN" dirty="0"/>
+              <a:t> </a:t>
+            </a:r>
+            <a:r>
+              <a:rPr lang="vi-VN" dirty="0" err="1"/>
+              <a:t>đã</a:t>
+            </a:r>
+            <a:r>
+              <a:rPr lang="vi-VN" dirty="0"/>
+              <a:t> </a:t>
+            </a:r>
+            <a:r>
+              <a:rPr lang="vi-VN" dirty="0" err="1"/>
+              <a:t>được</a:t>
+            </a:r>
+            <a:r>
+              <a:rPr lang="vi-VN" dirty="0"/>
+              <a:t> </a:t>
+            </a:r>
+            <a:r>
+              <a:rPr lang="vi-VN" dirty="0" err="1"/>
+              <a:t>sử</a:t>
+            </a:r>
+            <a:r>
+              <a:rPr lang="vi-VN" dirty="0"/>
+              <a:t> </a:t>
+            </a:r>
+            <a:r>
+              <a:rPr lang="vi-VN" dirty="0" err="1"/>
+              <a:t>dụng</a:t>
+            </a:r>
+            <a:r>
+              <a:rPr lang="vi-VN" dirty="0"/>
+              <a:t> </a:t>
+            </a:r>
+            <a:r>
+              <a:rPr lang="vi-VN" dirty="0" err="1"/>
+              <a:t>để</a:t>
+            </a:r>
+            <a:r>
+              <a:rPr lang="vi-VN" dirty="0"/>
+              <a:t> </a:t>
+            </a:r>
+            <a:r>
+              <a:rPr lang="vi-VN" dirty="0" err="1"/>
+              <a:t>biểu</a:t>
+            </a:r>
+            <a:r>
+              <a:rPr lang="vi-VN" dirty="0"/>
+              <a:t> </a:t>
+            </a:r>
+            <a:r>
+              <a:rPr lang="vi-VN" dirty="0" err="1"/>
+              <a:t>diễn</a:t>
+            </a:r>
+            <a:r>
+              <a:rPr lang="vi-VN" dirty="0"/>
+              <a:t> cho </a:t>
+            </a:r>
+            <a:r>
+              <a:rPr lang="vi-VN" dirty="0" err="1"/>
+              <a:t>các</a:t>
+            </a:r>
+            <a:r>
+              <a:rPr lang="vi-VN" dirty="0"/>
+              <a:t> </a:t>
+            </a:r>
+            <a:r>
+              <a:rPr lang="vi-VN" dirty="0" err="1"/>
+              <a:t>miền</a:t>
+            </a:r>
+            <a:r>
+              <a:rPr lang="vi-VN" dirty="0"/>
+              <a:t> tri </a:t>
+            </a:r>
+            <a:r>
+              <a:rPr lang="vi-VN" dirty="0" err="1"/>
+              <a:t>thức</a:t>
+            </a:r>
+            <a:r>
+              <a:rPr lang="vi-VN" dirty="0"/>
+              <a:t> </a:t>
+            </a:r>
+            <a:r>
+              <a:rPr lang="vi-VN" dirty="0" err="1"/>
+              <a:t>về</a:t>
+            </a:r>
+            <a:r>
+              <a:rPr lang="vi-VN" dirty="0"/>
+              <a:t> </a:t>
+            </a:r>
+            <a:r>
+              <a:rPr lang="vi-VN" dirty="0" err="1"/>
+              <a:t>Toán</a:t>
+            </a:r>
+            <a:r>
+              <a:rPr lang="vi-VN" dirty="0"/>
+              <a:t> </a:t>
+            </a:r>
+            <a:r>
+              <a:rPr lang="vi-VN" dirty="0" err="1"/>
+              <a:t>rời</a:t>
+            </a:r>
+            <a:r>
+              <a:rPr lang="vi-VN" dirty="0"/>
+              <a:t> </a:t>
+            </a:r>
+            <a:r>
+              <a:rPr lang="vi-VN" dirty="0" err="1"/>
+              <a:t>rạc</a:t>
+            </a:r>
+            <a:r>
+              <a:rPr lang="vi-VN" dirty="0"/>
+              <a:t> </a:t>
+            </a:r>
+            <a:r>
+              <a:rPr lang="vi-VN" dirty="0" err="1"/>
+              <a:t>và</a:t>
+            </a:r>
+            <a:r>
+              <a:rPr lang="vi-VN" dirty="0"/>
+              <a:t> </a:t>
+            </a:r>
+            <a:r>
+              <a:rPr lang="vi-VN" dirty="0" err="1"/>
+              <a:t>Lý</a:t>
+            </a:r>
+            <a:r>
+              <a:rPr lang="vi-VN" dirty="0"/>
+              <a:t> </a:t>
+            </a:r>
+            <a:r>
+              <a:rPr lang="vi-VN" dirty="0" err="1"/>
+              <a:t>thuyết</a:t>
+            </a:r>
+            <a:r>
+              <a:rPr lang="vi-VN" dirty="0"/>
+              <a:t> </a:t>
+            </a:r>
+            <a:r>
+              <a:rPr lang="vi-VN" dirty="0" err="1"/>
+              <a:t>đồ</a:t>
+            </a:r>
+            <a:r>
+              <a:rPr lang="vi-VN" dirty="0"/>
+              <a:t> </a:t>
+            </a:r>
+            <a:r>
+              <a:rPr lang="vi-VN" dirty="0" err="1"/>
+              <a:t>thị</a:t>
+            </a:r>
+            <a:r>
+              <a:rPr lang="vi-VN" dirty="0"/>
+              <a:t> </a:t>
+            </a:r>
+          </a:p>
+          <a:p>
+            <a:r>
+              <a:rPr lang="vi-VN" dirty="0" err="1"/>
+              <a:t>Ontology</a:t>
+            </a:r>
+            <a:r>
+              <a:rPr lang="vi-VN" dirty="0"/>
+              <a:t> </a:t>
+            </a:r>
+            <a:r>
+              <a:rPr lang="vi-VN" dirty="0" err="1"/>
+              <a:t>Search-Onto</a:t>
+            </a:r>
+            <a:r>
+              <a:rPr lang="vi-VN" dirty="0"/>
+              <a:t> </a:t>
+            </a:r>
+            <a:r>
+              <a:rPr lang="vi-VN" dirty="0" err="1"/>
+              <a:t>được</a:t>
+            </a:r>
+            <a:r>
+              <a:rPr lang="vi-VN" dirty="0"/>
+              <a:t> nghiên </a:t>
+            </a:r>
+            <a:r>
+              <a:rPr lang="vi-VN" dirty="0" err="1"/>
+              <a:t>cứu</a:t>
+            </a:r>
+            <a:r>
+              <a:rPr lang="vi-VN" dirty="0"/>
+              <a:t> </a:t>
+            </a:r>
+            <a:r>
+              <a:rPr lang="vi-VN" dirty="0" err="1"/>
+              <a:t>và</a:t>
+            </a:r>
+            <a:r>
+              <a:rPr lang="vi-VN" dirty="0"/>
+              <a:t> </a:t>
+            </a:r>
+            <a:r>
+              <a:rPr lang="vi-VN" dirty="0" err="1"/>
+              <a:t>ứng</a:t>
+            </a:r>
+            <a:r>
+              <a:rPr lang="vi-VN" dirty="0"/>
+              <a:t> </a:t>
+            </a:r>
+            <a:r>
+              <a:rPr lang="vi-VN" dirty="0" err="1"/>
+              <a:t>dụng</a:t>
+            </a:r>
+            <a:r>
+              <a:rPr lang="vi-VN" dirty="0"/>
+              <a:t> </a:t>
+            </a:r>
+            <a:r>
+              <a:rPr lang="vi-VN" dirty="0" err="1"/>
+              <a:t>để</a:t>
+            </a:r>
+            <a:r>
+              <a:rPr lang="vi-VN" dirty="0"/>
+              <a:t> xây </a:t>
+            </a:r>
+            <a:r>
+              <a:rPr lang="vi-VN" dirty="0" err="1"/>
+              <a:t>dựng</a:t>
+            </a:r>
+            <a:r>
+              <a:rPr lang="vi-VN" dirty="0"/>
+              <a:t> </a:t>
+            </a:r>
+            <a:r>
+              <a:rPr lang="vi-VN" dirty="0" err="1"/>
+              <a:t>hệ</a:t>
+            </a:r>
+            <a:r>
+              <a:rPr lang="vi-VN" dirty="0"/>
+              <a:t> </a:t>
+            </a:r>
+            <a:r>
+              <a:rPr lang="vi-VN" dirty="0" err="1"/>
+              <a:t>thống</a:t>
+            </a:r>
+            <a:r>
+              <a:rPr lang="vi-VN" dirty="0"/>
+              <a:t> </a:t>
+            </a:r>
+            <a:r>
+              <a:rPr lang="vi-VN" dirty="0" err="1"/>
+              <a:t>tìm</a:t>
+            </a:r>
+            <a:r>
+              <a:rPr lang="vi-VN" dirty="0"/>
+              <a:t> </a:t>
+            </a:r>
+            <a:r>
+              <a:rPr lang="vi-VN" dirty="0" err="1"/>
+              <a:t>kiếm</a:t>
+            </a:r>
+            <a:r>
+              <a:rPr lang="vi-VN" dirty="0"/>
+              <a:t> </a:t>
+            </a:r>
+            <a:r>
+              <a:rPr lang="vi-VN" dirty="0" err="1"/>
+              <a:t>kiến</a:t>
+            </a:r>
+            <a:r>
+              <a:rPr lang="vi-VN" dirty="0"/>
+              <a:t> </a:t>
+            </a:r>
+            <a:r>
+              <a:rPr lang="vi-VN" dirty="0" err="1"/>
+              <a:t>thức</a:t>
+            </a:r>
+            <a:r>
+              <a:rPr lang="vi-VN" dirty="0"/>
+              <a:t> trong môn </a:t>
+            </a:r>
+            <a:r>
+              <a:rPr lang="vi-VN" dirty="0" err="1"/>
+              <a:t>Toán</a:t>
+            </a:r>
+            <a:r>
+              <a:rPr lang="vi-VN" dirty="0"/>
+              <a:t> </a:t>
+            </a:r>
+            <a:r>
+              <a:rPr lang="vi-VN" dirty="0" err="1"/>
+              <a:t>bậc</a:t>
+            </a:r>
+            <a:r>
+              <a:rPr lang="vi-VN" dirty="0"/>
+              <a:t> Trung </a:t>
+            </a:r>
+            <a:r>
+              <a:rPr lang="vi-VN" dirty="0" err="1"/>
+              <a:t>học</a:t>
+            </a:r>
+            <a:r>
+              <a:rPr lang="vi-VN" dirty="0"/>
+              <a:t> </a:t>
+            </a:r>
+            <a:r>
+              <a:rPr lang="vi-VN" dirty="0" err="1"/>
+              <a:t>phổ</a:t>
+            </a:r>
+            <a:r>
+              <a:rPr lang="vi-VN" dirty="0"/>
+              <a:t> thông</a:t>
+            </a:r>
+          </a:p>
+          <a:p>
+            <a:endParaRPr lang="en-US" dirty="0"/>
+          </a:p>
+        </p:txBody>
+      </p:sp>
+      <p:sp>
+        <p:nvSpPr>
+          <p:cNvPr id="4" name="Slide Number Placeholder 3"/>
+          <p:cNvSpPr>
+            <a:spLocks noGrp="1"/>
+          </p:cNvSpPr>
+          <p:nvPr>
+            <p:ph type="sldNum" sz="quarter" idx="5"/>
+          </p:nvPr>
+        </p:nvSpPr>
+        <p:spPr/>
+        <p:txBody>
+          <a:bodyPr/>
+          <a:lstStyle/>
+          <a:p>
+            <a:fld id="{1D917B78-6701-47BB-98C6-CDD1C3228D16}" type="slidenum">
+              <a:rPr lang="en-US" smtClean="0"/>
+              <a:t>4</a:t>
+            </a:fld>
+            <a:endParaRPr lang="en-US"/>
+          </a:p>
+        </p:txBody>
+      </p:sp>
+    </p:spTree>
+    <p:extLst>
+      <p:ext uri="{BB962C8B-B14F-4D97-AF65-F5344CB8AC3E}">
+        <p14:creationId xmlns:p14="http://schemas.microsoft.com/office/powerpoint/2010/main" val="1882879998"/>
+      </p:ext>
+    </p:extLst>
+  </p:cSld>
+  <p:clrMapOvr>
+    <a:masterClrMapping/>
+  </p:clrMapOvr>
+</p:notes>
+</file>
+
+<file path=ppt/notesSlides/notesSlide2.xml><?xml version="1.0" encoding="utf-8"?>
+<p:notes xmlns:a="http://schemas.openxmlformats.org/drawingml/2006/main" xmlns:r="http://schemas.openxmlformats.org/officeDocument/2006/relationships" xmlns:p="http://schemas.openxmlformats.org/presentationml/2006/main">
+  <p:cSld>
+    <p:spTree>
+      <p:nvGrpSpPr>
+        <p:cNvPr id="1" name=""/>
+        <p:cNvGrpSpPr/>
+        <p:nvPr/>
+      </p:nvGrpSpPr>
+      <p:grpSpPr>
+        <a:xfrm>
+          <a:off x="0" y="0"/>
+          <a:ext cx="0" cy="0"/>
+          <a:chOff x="0" y="0"/>
+          <a:chExt cx="0" cy="0"/>
+        </a:xfrm>
+      </p:grpSpPr>
+      <p:sp>
+        <p:nvSpPr>
+          <p:cNvPr id="2" name="Slide Image Placeholder 1"/>
+          <p:cNvSpPr>
+            <a:spLocks noGrp="1" noRot="1" noChangeAspect="1"/>
+          </p:cNvSpPr>
+          <p:nvPr>
+            <p:ph type="sldImg"/>
+          </p:nvPr>
+        </p:nvSpPr>
+        <p:spPr/>
+      </p:sp>
+      <p:sp>
+        <p:nvSpPr>
+          <p:cNvPr id="3" name="Notes Placeholder 2"/>
+          <p:cNvSpPr>
+            <a:spLocks noGrp="1"/>
+          </p:cNvSpPr>
+          <p:nvPr>
+            <p:ph type="body" idx="1"/>
+          </p:nvPr>
+        </p:nvSpPr>
+        <p:spPr/>
+        <p:txBody>
+          <a:bodyPr/>
+          <a:lstStyle/>
+          <a:p>
+            <a:r>
+              <a:rPr lang="vi-VN" dirty="0" err="1"/>
+              <a:t>Cấu</a:t>
+            </a:r>
+            <a:r>
+              <a:rPr lang="vi-VN" dirty="0"/>
+              <a:t> </a:t>
+            </a:r>
+            <a:r>
+              <a:rPr lang="vi-VN" dirty="0" err="1"/>
+              <a:t>trúc</a:t>
+            </a:r>
+            <a:r>
+              <a:rPr lang="vi-VN" dirty="0"/>
+              <a:t> </a:t>
+            </a:r>
+            <a:r>
+              <a:rPr lang="vi-VN" dirty="0" err="1"/>
+              <a:t>Query-Onto</a:t>
+            </a:r>
+            <a:r>
+              <a:rPr lang="vi-VN" dirty="0"/>
+              <a:t> </a:t>
+            </a:r>
+            <a:r>
+              <a:rPr lang="vi-VN" dirty="0" err="1"/>
+              <a:t>được</a:t>
+            </a:r>
+            <a:r>
+              <a:rPr lang="vi-VN" dirty="0"/>
+              <a:t> </a:t>
+            </a:r>
+            <a:r>
+              <a:rPr lang="vi-VN" dirty="0" err="1"/>
+              <a:t>cải</a:t>
+            </a:r>
+            <a:r>
+              <a:rPr lang="vi-VN" dirty="0"/>
+              <a:t> </a:t>
+            </a:r>
+            <a:r>
+              <a:rPr lang="vi-VN" dirty="0" err="1"/>
+              <a:t>tiến</a:t>
+            </a:r>
+            <a:r>
+              <a:rPr lang="vi-VN" dirty="0"/>
+              <a:t> </a:t>
+            </a:r>
+            <a:r>
+              <a:rPr lang="vi-VN" dirty="0" err="1"/>
+              <a:t>dựa</a:t>
+            </a:r>
+            <a:r>
+              <a:rPr lang="vi-VN" dirty="0"/>
+              <a:t> trên </a:t>
+            </a:r>
+            <a:r>
+              <a:rPr lang="vi-VN" dirty="0" err="1"/>
+              <a:t>cấu</a:t>
+            </a:r>
+            <a:r>
+              <a:rPr lang="vi-VN" dirty="0"/>
+              <a:t> </a:t>
+            </a:r>
+            <a:r>
+              <a:rPr lang="vi-VN" dirty="0" err="1"/>
+              <a:t>trúc</a:t>
+            </a:r>
+            <a:r>
+              <a:rPr lang="vi-VN" dirty="0"/>
+              <a:t> </a:t>
+            </a:r>
+            <a:r>
+              <a:rPr lang="vi-VN" dirty="0" err="1"/>
+              <a:t>của</a:t>
+            </a:r>
+            <a:r>
+              <a:rPr lang="vi-VN" dirty="0"/>
+              <a:t> </a:t>
+            </a:r>
+            <a:r>
+              <a:rPr lang="vi-VN" dirty="0" err="1"/>
+              <a:t>ontology</a:t>
+            </a:r>
+            <a:r>
+              <a:rPr lang="vi-VN" dirty="0"/>
+              <a:t> tri </a:t>
+            </a:r>
+            <a:r>
+              <a:rPr lang="vi-VN" dirty="0" err="1"/>
+              <a:t>thức</a:t>
+            </a:r>
+            <a:r>
+              <a:rPr lang="vi-VN" dirty="0"/>
+              <a:t> quan </a:t>
+            </a:r>
+            <a:r>
+              <a:rPr lang="vi-VN" dirty="0" err="1"/>
+              <a:t>hệ</a:t>
+            </a:r>
+            <a:r>
+              <a:rPr lang="vi-VN" dirty="0"/>
+              <a:t> </a:t>
+            </a:r>
+            <a:r>
+              <a:rPr lang="vi-VN" dirty="0" err="1"/>
+              <a:t>Rela-model</a:t>
+            </a:r>
+            <a:endParaRPr lang="vi-VN" dirty="0"/>
+          </a:p>
+          <a:p>
+            <a:endParaRPr lang="en-US" dirty="0"/>
+          </a:p>
+        </p:txBody>
+      </p:sp>
+      <p:sp>
+        <p:nvSpPr>
+          <p:cNvPr id="4" name="Slide Number Placeholder 3"/>
+          <p:cNvSpPr>
+            <a:spLocks noGrp="1"/>
+          </p:cNvSpPr>
+          <p:nvPr>
+            <p:ph type="sldNum" sz="quarter" idx="5"/>
+          </p:nvPr>
+        </p:nvSpPr>
+        <p:spPr/>
+        <p:txBody>
+          <a:bodyPr/>
+          <a:lstStyle/>
+          <a:p>
+            <a:fld id="{1D917B78-6701-47BB-98C6-CDD1C3228D16}" type="slidenum">
+              <a:rPr lang="en-US" smtClean="0"/>
+              <a:t>5</a:t>
+            </a:fld>
+            <a:endParaRPr lang="en-US"/>
+          </a:p>
+        </p:txBody>
+      </p:sp>
+    </p:spTree>
+    <p:extLst>
+      <p:ext uri="{BB962C8B-B14F-4D97-AF65-F5344CB8AC3E}">
+        <p14:creationId xmlns:p14="http://schemas.microsoft.com/office/powerpoint/2010/main" val="3584228302"/>
+      </p:ext>
+    </p:extLst>
+  </p:cSld>
+  <p:clrMapOvr>
+    <a:masterClrMapping/>
+  </p:clrMapOvr>
+</p:notes>
 </file>
 
 <file path=ppt/slideLayouts/slideLayout1.xml><?xml version="1.0" encoding="utf-8"?>
@@ -1236,7 +2587,7 @@
           <a:p>
             <a:fld id="{1BDBB8E3-051A-4F4A-BAD4-603CA2F58518}" type="datetimeFigureOut">
               <a:rPr lang="vi-VN" smtClean="0"/>
-              <a:t>11/07/2021</a:t>
+              <a:t>12/07/2021</a:t>
             </a:fld>
             <a:endParaRPr lang="vi-VN"/>
           </a:p>
@@ -1487,7 +2838,7 @@
           <a:p>
             <a:fld id="{1BDBB8E3-051A-4F4A-BAD4-603CA2F58518}" type="datetimeFigureOut">
               <a:rPr lang="vi-VN" smtClean="0"/>
-              <a:t>11/07/2021</a:t>
+              <a:t>12/07/2021</a:t>
             </a:fld>
             <a:endParaRPr lang="vi-VN"/>
           </a:p>
@@ -1801,7 +3152,7 @@
           <a:p>
             <a:fld id="{1BDBB8E3-051A-4F4A-BAD4-603CA2F58518}" type="datetimeFigureOut">
               <a:rPr lang="vi-VN" smtClean="0"/>
-              <a:t>11/07/2021</a:t>
+              <a:t>12/07/2021</a:t>
             </a:fld>
             <a:endParaRPr lang="vi-VN"/>
           </a:p>
@@ -2142,7 +3493,7 @@
           <a:p>
             <a:fld id="{1BDBB8E3-051A-4F4A-BAD4-603CA2F58518}" type="datetimeFigureOut">
               <a:rPr lang="vi-VN" smtClean="0"/>
-              <a:t>11/07/2021</a:t>
+              <a:t>12/07/2021</a:t>
             </a:fld>
             <a:endParaRPr lang="vi-VN"/>
           </a:p>
@@ -2456,7 +3807,7 @@
           <a:p>
             <a:fld id="{1BDBB8E3-051A-4F4A-BAD4-603CA2F58518}" type="datetimeFigureOut">
               <a:rPr lang="vi-VN" smtClean="0"/>
-              <a:t>11/07/2021</a:t>
+              <a:t>12/07/2021</a:t>
             </a:fld>
             <a:endParaRPr lang="vi-VN"/>
           </a:p>
@@ -2849,7 +4200,7 @@
           <a:p>
             <a:fld id="{1BDBB8E3-051A-4F4A-BAD4-603CA2F58518}" type="datetimeFigureOut">
               <a:rPr lang="vi-VN" smtClean="0"/>
-              <a:t>11/07/2021</a:t>
+              <a:t>12/07/2021</a:t>
             </a:fld>
             <a:endParaRPr lang="vi-VN"/>
           </a:p>
@@ -3019,7 +4370,7 @@
           <a:p>
             <a:fld id="{1BDBB8E3-051A-4F4A-BAD4-603CA2F58518}" type="datetimeFigureOut">
               <a:rPr lang="vi-VN" smtClean="0"/>
-              <a:t>11/07/2021</a:t>
+              <a:t>12/07/2021</a:t>
             </a:fld>
             <a:endParaRPr lang="vi-VN"/>
           </a:p>
@@ -3199,7 +4550,7 @@
           <a:p>
             <a:fld id="{1BDBB8E3-051A-4F4A-BAD4-603CA2F58518}" type="datetimeFigureOut">
               <a:rPr lang="vi-VN" smtClean="0"/>
-              <a:t>11/07/2021</a:t>
+              <a:t>12/07/2021</a:t>
             </a:fld>
             <a:endParaRPr lang="vi-VN"/>
           </a:p>
@@ -3375,7 +4726,7 @@
           <a:p>
             <a:fld id="{1BDBB8E3-051A-4F4A-BAD4-603CA2F58518}" type="datetimeFigureOut">
               <a:rPr lang="vi-VN" smtClean="0"/>
-              <a:t>11/07/2021</a:t>
+              <a:t>12/07/2021</a:t>
             </a:fld>
             <a:endParaRPr lang="vi-VN"/>
           </a:p>
@@ -3622,7 +4973,7 @@
           <a:p>
             <a:fld id="{1BDBB8E3-051A-4F4A-BAD4-603CA2F58518}" type="datetimeFigureOut">
               <a:rPr lang="vi-VN" smtClean="0"/>
-              <a:t>11/07/2021</a:t>
+              <a:t>12/07/2021</a:t>
             </a:fld>
             <a:endParaRPr lang="vi-VN"/>
           </a:p>
@@ -3854,7 +5205,7 @@
           <a:p>
             <a:fld id="{1BDBB8E3-051A-4F4A-BAD4-603CA2F58518}" type="datetimeFigureOut">
               <a:rPr lang="vi-VN" smtClean="0"/>
-              <a:t>11/07/2021</a:t>
+              <a:t>12/07/2021</a:t>
             </a:fld>
             <a:endParaRPr lang="vi-VN"/>
           </a:p>
@@ -4228,7 +5579,7 @@
           <a:p>
             <a:fld id="{1BDBB8E3-051A-4F4A-BAD4-603CA2F58518}" type="datetimeFigureOut">
               <a:rPr lang="vi-VN" smtClean="0"/>
-              <a:t>11/07/2021</a:t>
+              <a:t>12/07/2021</a:t>
             </a:fld>
             <a:endParaRPr lang="vi-VN"/>
           </a:p>
@@ -4351,7 +5702,7 @@
           <a:p>
             <a:fld id="{1BDBB8E3-051A-4F4A-BAD4-603CA2F58518}" type="datetimeFigureOut">
               <a:rPr lang="vi-VN" smtClean="0"/>
-              <a:t>11/07/2021</a:t>
+              <a:t>12/07/2021</a:t>
             </a:fld>
             <a:endParaRPr lang="vi-VN"/>
           </a:p>
@@ -4446,7 +5797,7 @@
           <a:p>
             <a:fld id="{1BDBB8E3-051A-4F4A-BAD4-603CA2F58518}" type="datetimeFigureOut">
               <a:rPr lang="vi-VN" smtClean="0"/>
-              <a:t>11/07/2021</a:t>
+              <a:t>12/07/2021</a:t>
             </a:fld>
             <a:endParaRPr lang="vi-VN"/>
           </a:p>
@@ -4701,7 +6052,7 @@
           <a:p>
             <a:fld id="{1BDBB8E3-051A-4F4A-BAD4-603CA2F58518}" type="datetimeFigureOut">
               <a:rPr lang="vi-VN" smtClean="0"/>
-              <a:t>11/07/2021</a:t>
+              <a:t>12/07/2021</a:t>
             </a:fld>
             <a:endParaRPr lang="vi-VN"/>
           </a:p>
@@ -4964,7 +6315,7 @@
           <a:p>
             <a:fld id="{1BDBB8E3-051A-4F4A-BAD4-603CA2F58518}" type="datetimeFigureOut">
               <a:rPr lang="vi-VN" smtClean="0"/>
-              <a:t>11/07/2021</a:t>
+              <a:t>12/07/2021</a:t>
             </a:fld>
             <a:endParaRPr lang="vi-VN"/>
           </a:p>
@@ -5707,7 +7058,7 @@
           <a:p>
             <a:fld id="{1BDBB8E3-051A-4F4A-BAD4-603CA2F58518}" type="datetimeFigureOut">
               <a:rPr lang="vi-VN" smtClean="0"/>
-              <a:t>11/07/2021</a:t>
+              <a:t>12/07/2021</a:t>
             </a:fld>
             <a:endParaRPr lang="vi-VN"/>
           </a:p>
@@ -18283,4 +19634,299 @@
     </a:ext>
   </a:extLst>
 </a:theme>
+</file>
+
+<file path=ppt/theme/theme2.xml><?xml version="1.0" encoding="utf-8"?>
+<a:theme xmlns:a="http://schemas.openxmlformats.org/drawingml/2006/main" name="Office Theme">
+  <a:themeElements>
+    <a:clrScheme name="Office">
+      <a:dk1>
+        <a:sysClr val="windowText" lastClr="000000"/>
+      </a:dk1>
+      <a:lt1>
+        <a:sysClr val="window" lastClr="FFFFFF"/>
+      </a:lt1>
+      <a:dk2>
+        <a:srgbClr val="44546A"/>
+      </a:dk2>
+      <a:lt2>
+        <a:srgbClr val="E7E6E6"/>
+      </a:lt2>
+      <a:accent1>
+        <a:srgbClr val="4472C4"/>
+      </a:accent1>
+      <a:accent2>
+        <a:srgbClr val="ED7D31"/>
+      </a:accent2>
+      <a:accent3>
+        <a:srgbClr val="A5A5A5"/>
+      </a:accent3>
+      <a:accent4>
+        <a:srgbClr val="FFC000"/>
+      </a:accent4>
+      <a:accent5>
+        <a:srgbClr val="5B9BD5"/>
+      </a:accent5>
+      <a:accent6>
+        <a:srgbClr val="70AD47"/>
+      </a:accent6>
+      <a:hlink>
+        <a:srgbClr val="0563C1"/>
+      </a:hlink>
+      <a:folHlink>
+        <a:srgbClr val="954F72"/>
+      </a:folHlink>
+    </a:clrScheme>
+    <a:fontScheme name="Office">
+      <a:majorFont>
+        <a:latin typeface="Calibri Light" panose="020F0302020204030204"/>
+        <a:ea typeface=""/>
+        <a:cs typeface=""/>
+        <a:font script="Jpan" typeface="游ゴシック Light"/>
+        <a:font script="Hang" typeface="맑은 고딕"/>
+        <a:font script="Hans" typeface="等线 Light"/>
+        <a:font script="Hant" typeface="新細明體"/>
+        <a:font script="Arab" typeface="Times New Roman"/>
+        <a:font script="Hebr" typeface="Times New Roman"/>
+        <a:font script="Thai" typeface="Angsana New"/>
+        <a:font script="Ethi" typeface="Nyala"/>
+        <a:font script="Beng" typeface="Vrinda"/>
+        <a:font script="Gujr" typeface="Shruti"/>
+        <a:font script="Khmr" typeface="MoolBoran"/>
+        <a:font script="Knda" typeface="Tunga"/>
+        <a:font script="Guru" typeface="Raavi"/>
+        <a:font script="Cans" typeface="Euphemia"/>
+        <a:font script="Cher" typeface="Plantagenet Cherokee"/>
+        <a:font script="Yiii" typeface="Microsoft Yi Baiti"/>
+        <a:font script="Tibt" typeface="Microsoft Himalaya"/>
+        <a:font script="Thaa" typeface="MV Boli"/>
+        <a:font script="Deva" typeface="Mangal"/>
+        <a:font script="Telu" typeface="Gautami"/>
+        <a:font script="Taml" typeface="Latha"/>
+        <a:font script="Syrc" typeface="Estrangelo Edessa"/>
+        <a:font script="Orya" typeface="Kalinga"/>
+        <a:font script="Mlym" typeface="Kartika"/>
+        <a:font script="Laoo" typeface="DokChampa"/>
+        <a:font script="Sinh" typeface="Iskoola Pota"/>
+        <a:font script="Mong" typeface="Mongolian Baiti"/>
+        <a:font script="Viet" typeface="Times New Roman"/>
+        <a:font script="Uigh" typeface="Microsoft Uighur"/>
+        <a:font script="Geor" typeface="Sylfaen"/>
+        <a:font script="Armn" typeface="Arial"/>
+        <a:font script="Bugi" typeface="Leelawadee UI"/>
+        <a:font script="Bopo" typeface="Microsoft JhengHei"/>
+        <a:font script="Java" typeface="Javanese Text"/>
+        <a:font script="Lisu" typeface="Segoe UI"/>
+        <a:font script="Mymr" typeface="Myanmar Text"/>
+        <a:font script="Nkoo" typeface="Ebrima"/>
+        <a:font script="Olck" typeface="Nirmala UI"/>
+        <a:font script="Osma" typeface="Ebrima"/>
+        <a:font script="Phag" typeface="Phagspa"/>
+        <a:font script="Syrn" typeface="Estrangelo Edessa"/>
+        <a:font script="Syrj" typeface="Estrangelo Edessa"/>
+        <a:font script="Syre" typeface="Estrangelo Edessa"/>
+        <a:font script="Sora" typeface="Nirmala UI"/>
+        <a:font script="Tale" typeface="Microsoft Tai Le"/>
+        <a:font script="Talu" typeface="Microsoft New Tai Lue"/>
+        <a:font script="Tfng" typeface="Ebrima"/>
+      </a:majorFont>
+      <a:minorFont>
+        <a:latin typeface="Calibri" panose="020F0502020204030204"/>
+        <a:ea typeface=""/>
+        <a:cs typeface=""/>
+        <a:font script="Jpan" typeface="游ゴシック"/>
+        <a:font script="Hang" typeface="맑은 고딕"/>
+        <a:font script="Hans" typeface="等线"/>
+        <a:font script="Hant" typeface="新細明體"/>
+        <a:font script="Arab" typeface="Arial"/>
+        <a:font script="Hebr" typeface="Arial"/>
+        <a:font script="Thai" typeface="Cordia New"/>
+        <a:font script="Ethi" typeface="Nyala"/>
+        <a:font script="Beng" typeface="Vrinda"/>
+        <a:font script="Gujr" typeface="Shruti"/>
+        <a:font script="Khmr" typeface="DaunPenh"/>
+        <a:font script="Knda" typeface="Tunga"/>
+        <a:font script="Guru" typeface="Raavi"/>
+        <a:font script="Cans" typeface="Euphemia"/>
+        <a:font script="Cher" typeface="Plantagenet Cherokee"/>
+        <a:font script="Yiii" typeface="Microsoft Yi Baiti"/>
+        <a:font script="Tibt" typeface="Microsoft Himalaya"/>
+        <a:font script="Thaa" typeface="MV Boli"/>
+        <a:font script="Deva" typeface="Mangal"/>
+        <a:font script="Telu" typeface="Gautami"/>
+        <a:font script="Taml" typeface="Latha"/>
+        <a:font script="Syrc" typeface="Estrangelo Edessa"/>
+        <a:font script="Orya" typeface="Kalinga"/>
+        <a:font script="Mlym" typeface="Kartika"/>
+        <a:font script="Laoo" typeface="DokChampa"/>
+        <a:font script="Sinh" typeface="Iskoola Pota"/>
+        <a:font script="Mong" typeface="Mongolian Baiti"/>
+        <a:font script="Viet" typeface="Arial"/>
+        <a:font script="Uigh" typeface="Microsoft Uighur"/>
+        <a:font script="Geor" typeface="Sylfaen"/>
+        <a:font script="Armn" typeface="Arial"/>
+        <a:font script="Bugi" typeface="Leelawadee UI"/>
+        <a:font script="Bopo" typeface="Microsoft JhengHei"/>
+        <a:font script="Java" typeface="Javanese Text"/>
+        <a:font script="Lisu" typeface="Segoe UI"/>
+        <a:font script="Mymr" typeface="Myanmar Text"/>
+        <a:font script="Nkoo" typeface="Ebrima"/>
+        <a:font script="Olck" typeface="Nirmala UI"/>
+        <a:font script="Osma" typeface="Ebrima"/>
+        <a:font script="Phag" typeface="Phagspa"/>
+        <a:font script="Syrn" typeface="Estrangelo Edessa"/>
+        <a:font script="Syrj" typeface="Estrangelo Edessa"/>
+        <a:font script="Syre" typeface="Estrangelo Edessa"/>
+        <a:font script="Sora" typeface="Nirmala UI"/>
+        <a:font script="Tale" typeface="Microsoft Tai Le"/>
+        <a:font script="Talu" typeface="Microsoft New Tai Lue"/>
+        <a:font script="Tfng" typeface="Ebrima"/>
+      </a:minorFont>
+    </a:fontScheme>
+    <a:fmtScheme name="Office">
+      <a:fillStyleLst>
+        <a:solidFill>
+          <a:schemeClr val="phClr"/>
+        </a:solidFill>
+        <a:gradFill rotWithShape="1">
+          <a:gsLst>
+            <a:gs pos="0">
+              <a:schemeClr val="phClr">
+                <a:lumMod val="110000"/>
+                <a:satMod val="105000"/>
+                <a:tint val="67000"/>
+              </a:schemeClr>
+            </a:gs>
+            <a:gs pos="50000">
+              <a:schemeClr val="phClr">
+                <a:lumMod val="105000"/>
+                <a:satMod val="103000"/>
+                <a:tint val="73000"/>
+              </a:schemeClr>
+            </a:gs>
+            <a:gs pos="100000">
+              <a:schemeClr val="phClr">
+                <a:lumMod val="105000"/>
+                <a:satMod val="109000"/>
+                <a:tint val="81000"/>
+              </a:schemeClr>
+            </a:gs>
+          </a:gsLst>
+          <a:lin ang="5400000" scaled="0"/>
+        </a:gradFill>
+        <a:gradFill rotWithShape="1">
+          <a:gsLst>
+            <a:gs pos="0">
+              <a:schemeClr val="phClr">
+                <a:satMod val="103000"/>
+                <a:lumMod val="102000"/>
+                <a:tint val="94000"/>
+              </a:schemeClr>
+            </a:gs>
+            <a:gs pos="50000">
+              <a:schemeClr val="phClr">
+                <a:satMod val="110000"/>
+                <a:lumMod val="100000"/>
+                <a:shade val="100000"/>
+              </a:schemeClr>
+            </a:gs>
+            <a:gs pos="100000">
+              <a:schemeClr val="phClr">
+                <a:lumMod val="99000"/>
+                <a:satMod val="120000"/>
+                <a:shade val="78000"/>
+              </a:schemeClr>
+            </a:gs>
+          </a:gsLst>
+          <a:lin ang="5400000" scaled="0"/>
+        </a:gradFill>
+      </a:fillStyleLst>
+      <a:lnStyleLst>
+        <a:ln w="6350" cap="flat" cmpd="sng" algn="ctr">
+          <a:solidFill>
+            <a:schemeClr val="phClr"/>
+          </a:solidFill>
+          <a:prstDash val="solid"/>
+          <a:miter lim="800000"/>
+        </a:ln>
+        <a:ln w="12700" cap="flat" cmpd="sng" algn="ctr">
+          <a:solidFill>
+            <a:schemeClr val="phClr"/>
+          </a:solidFill>
+          <a:prstDash val="solid"/>
+          <a:miter lim="800000"/>
+        </a:ln>
+        <a:ln w="19050" cap="flat" cmpd="sng" algn="ctr">
+          <a:solidFill>
+            <a:schemeClr val="phClr"/>
+          </a:solidFill>
+          <a:prstDash val="solid"/>
+          <a:miter lim="800000"/>
+        </a:ln>
+      </a:lnStyleLst>
+      <a:effectStyleLst>
+        <a:effectStyle>
+          <a:effectLst/>
+        </a:effectStyle>
+        <a:effectStyle>
+          <a:effectLst/>
+        </a:effectStyle>
+        <a:effectStyle>
+          <a:effectLst>
+            <a:outerShdw blurRad="57150" dist="19050" dir="5400000" algn="ctr" rotWithShape="0">
+              <a:srgbClr val="000000">
+                <a:alpha val="63000"/>
+              </a:srgbClr>
+            </a:outerShdw>
+          </a:effectLst>
+        </a:effectStyle>
+      </a:effectStyleLst>
+      <a:bgFillStyleLst>
+        <a:solidFill>
+          <a:schemeClr val="phClr"/>
+        </a:solidFill>
+        <a:solidFill>
+          <a:schemeClr val="phClr">
+            <a:tint val="95000"/>
+            <a:satMod val="170000"/>
+          </a:schemeClr>
+        </a:solidFill>
+        <a:gradFill rotWithShape="1">
+          <a:gsLst>
+            <a:gs pos="0">
+              <a:schemeClr val="phClr">
+                <a:tint val="93000"/>
+                <a:satMod val="150000"/>
+                <a:shade val="98000"/>
+                <a:lumMod val="102000"/>
+              </a:schemeClr>
+            </a:gs>
+            <a:gs pos="50000">
+              <a:schemeClr val="phClr">
+                <a:tint val="98000"/>
+                <a:satMod val="130000"/>
+                <a:shade val="90000"/>
+                <a:lumMod val="103000"/>
+              </a:schemeClr>
+            </a:gs>
+            <a:gs pos="100000">
+              <a:schemeClr val="phClr">
+                <a:shade val="63000"/>
+                <a:satMod val="120000"/>
+              </a:schemeClr>
+            </a:gs>
+          </a:gsLst>
+          <a:lin ang="5400000" scaled="0"/>
+        </a:gradFill>
+      </a:bgFillStyleLst>
+    </a:fmtScheme>
+  </a:themeElements>
+  <a:objectDefaults/>
+  <a:extraClrSchemeLst/>
+  <a:extLst>
+    <a:ext uri="{05A4C25C-085E-4340-85A3-A5531E510DB2}">
+      <thm15:themeFamily xmlns:thm15="http://schemas.microsoft.com/office/thememl/2012/main" name="Office Theme" id="{62F939B6-93AF-4DB8-9C6B-D6C7DFDC589F}" vid="{4A3C46E8-61CC-4603-A589-7422A47A8E4A}"/>
+    </a:ext>
+  </a:extLst>
+</a:theme>
 </file>
--- a/Bao_cao_Do_an.pptx
+++ b/Bao_cao_Do_an.pptx
@@ -5,7 +5,7 @@
     <p:sldMasterId id="2147483660" r:id="rId1"/>
   </p:sldMasterIdLst>
   <p:notesMasterIdLst>
-    <p:notesMasterId r:id="rId17"/>
+    <p:notesMasterId r:id="rId18"/>
   </p:notesMasterIdLst>
   <p:sldIdLst>
     <p:sldId id="256" r:id="rId2"/>
@@ -17,12 +17,13 @@
     <p:sldId id="272" r:id="rId8"/>
     <p:sldId id="261" r:id="rId9"/>
     <p:sldId id="279" r:id="rId10"/>
-    <p:sldId id="273" r:id="rId11"/>
-    <p:sldId id="275" r:id="rId12"/>
-    <p:sldId id="281" r:id="rId13"/>
-    <p:sldId id="274" r:id="rId14"/>
-    <p:sldId id="276" r:id="rId15"/>
-    <p:sldId id="264" r:id="rId16"/>
+    <p:sldId id="282" r:id="rId11"/>
+    <p:sldId id="273" r:id="rId12"/>
+    <p:sldId id="275" r:id="rId13"/>
+    <p:sldId id="281" r:id="rId14"/>
+    <p:sldId id="274" r:id="rId15"/>
+    <p:sldId id="276" r:id="rId16"/>
+    <p:sldId id="264" r:id="rId17"/>
   </p:sldIdLst>
   <p:sldSz cx="12192000" cy="6858000"/>
   <p:notesSz cx="6858000" cy="9144000"/>
@@ -599,7 +600,7 @@
           <a:p>
             <a:fld id="{121DB743-BB01-4D7D-A06D-0A26E5B0A987}" type="datetimeFigureOut">
               <a:rPr lang="en-US" smtClean="0"/>
-              <a:t>7/12/2021</a:t>
+              <a:t>7/15/2021</a:t>
             </a:fld>
             <a:endParaRPr lang="en-US"/>
           </a:p>
@@ -1856,6 +1857,693 @@
     <p:extLst>
       <p:ext uri="{BB962C8B-B14F-4D97-AF65-F5344CB8AC3E}">
         <p14:creationId xmlns:p14="http://schemas.microsoft.com/office/powerpoint/2010/main" val="3584228302"/>
+      </p:ext>
+    </p:extLst>
+  </p:cSld>
+  <p:clrMapOvr>
+    <a:masterClrMapping/>
+  </p:clrMapOvr>
+</p:notes>
+</file>
+
+<file path=ppt/notesSlides/notesSlide3.xml><?xml version="1.0" encoding="utf-8"?>
+<p:notes xmlns:a="http://schemas.openxmlformats.org/drawingml/2006/main" xmlns:r="http://schemas.openxmlformats.org/officeDocument/2006/relationships" xmlns:p="http://schemas.openxmlformats.org/presentationml/2006/main">
+  <p:cSld>
+    <p:spTree>
+      <p:nvGrpSpPr>
+        <p:cNvPr id="1" name=""/>
+        <p:cNvGrpSpPr/>
+        <p:nvPr/>
+      </p:nvGrpSpPr>
+      <p:grpSpPr>
+        <a:xfrm>
+          <a:off x="0" y="0"/>
+          <a:ext cx="0" cy="0"/>
+          <a:chOff x="0" y="0"/>
+          <a:chExt cx="0" cy="0"/>
+        </a:xfrm>
+      </p:grpSpPr>
+      <p:sp>
+        <p:nvSpPr>
+          <p:cNvPr id="2" name="Slide Image Placeholder 1"/>
+          <p:cNvSpPr>
+            <a:spLocks noGrp="1" noRot="1" noChangeAspect="1"/>
+          </p:cNvSpPr>
+          <p:nvPr>
+            <p:ph type="sldImg"/>
+          </p:nvPr>
+        </p:nvSpPr>
+        <p:spPr/>
+      </p:sp>
+      <p:sp>
+        <p:nvSpPr>
+          <p:cNvPr id="3" name="Notes Placeholder 2"/>
+          <p:cNvSpPr>
+            <a:spLocks noGrp="1"/>
+          </p:cNvSpPr>
+          <p:nvPr>
+            <p:ph type="body" idx="1"/>
+          </p:nvPr>
+        </p:nvSpPr>
+        <p:spPr/>
+        <p:txBody>
+          <a:bodyPr/>
+          <a:lstStyle/>
+          <a:p>
+            <a:r>
+              <a:rPr lang="vi-VN" dirty="0" err="1"/>
+              <a:t>Động</a:t>
+            </a:r>
+            <a:r>
+              <a:rPr lang="vi-VN" dirty="0"/>
+              <a:t> cơ </a:t>
+            </a:r>
+            <a:r>
+              <a:rPr lang="vi-VN" dirty="0" err="1"/>
+              <a:t>tìm</a:t>
+            </a:r>
+            <a:r>
+              <a:rPr lang="vi-VN" dirty="0"/>
+              <a:t> </a:t>
+            </a:r>
+            <a:r>
+              <a:rPr lang="vi-VN" dirty="0" err="1"/>
+              <a:t>kiếm</a:t>
+            </a:r>
+            <a:r>
+              <a:rPr lang="vi-VN" dirty="0"/>
+              <a:t>-tra </a:t>
+            </a:r>
+            <a:r>
+              <a:rPr lang="vi-VN" dirty="0" err="1"/>
+              <a:t>cứu</a:t>
+            </a:r>
+            <a:endParaRPr lang="vi-VN" dirty="0"/>
+          </a:p>
+        </p:txBody>
+      </p:sp>
+      <p:sp>
+        <p:nvSpPr>
+          <p:cNvPr id="4" name="Slide Number Placeholder 3"/>
+          <p:cNvSpPr>
+            <a:spLocks noGrp="1"/>
+          </p:cNvSpPr>
+          <p:nvPr>
+            <p:ph type="sldNum" sz="quarter" idx="5"/>
+          </p:nvPr>
+        </p:nvSpPr>
+        <p:spPr/>
+        <p:txBody>
+          <a:bodyPr/>
+          <a:lstStyle/>
+          <a:p>
+            <a:fld id="{1D917B78-6701-47BB-98C6-CDD1C3228D16}" type="slidenum">
+              <a:rPr lang="en-US" smtClean="0"/>
+              <a:t>6</a:t>
+            </a:fld>
+            <a:endParaRPr lang="en-US"/>
+          </a:p>
+        </p:txBody>
+      </p:sp>
+    </p:spTree>
+    <p:extLst>
+      <p:ext uri="{BB962C8B-B14F-4D97-AF65-F5344CB8AC3E}">
+        <p14:creationId xmlns:p14="http://schemas.microsoft.com/office/powerpoint/2010/main" val="2940331558"/>
+      </p:ext>
+    </p:extLst>
+  </p:cSld>
+  <p:clrMapOvr>
+    <a:masterClrMapping/>
+  </p:clrMapOvr>
+</p:notes>
+</file>
+
+<file path=ppt/notesSlides/notesSlide4.xml><?xml version="1.0" encoding="utf-8"?>
+<p:notes xmlns:a="http://schemas.openxmlformats.org/drawingml/2006/main" xmlns:r="http://schemas.openxmlformats.org/officeDocument/2006/relationships" xmlns:p="http://schemas.openxmlformats.org/presentationml/2006/main">
+  <p:cSld>
+    <p:spTree>
+      <p:nvGrpSpPr>
+        <p:cNvPr id="1" name=""/>
+        <p:cNvGrpSpPr/>
+        <p:nvPr/>
+      </p:nvGrpSpPr>
+      <p:grpSpPr>
+        <a:xfrm>
+          <a:off x="0" y="0"/>
+          <a:ext cx="0" cy="0"/>
+          <a:chOff x="0" y="0"/>
+          <a:chExt cx="0" cy="0"/>
+        </a:xfrm>
+      </p:grpSpPr>
+      <p:sp>
+        <p:nvSpPr>
+          <p:cNvPr id="2" name="Slide Image Placeholder 1"/>
+          <p:cNvSpPr>
+            <a:spLocks noGrp="1" noRot="1" noChangeAspect="1"/>
+          </p:cNvSpPr>
+          <p:nvPr>
+            <p:ph type="sldImg"/>
+          </p:nvPr>
+        </p:nvSpPr>
+        <p:spPr/>
+      </p:sp>
+      <p:sp>
+        <p:nvSpPr>
+          <p:cNvPr id="3" name="Notes Placeholder 2"/>
+          <p:cNvSpPr>
+            <a:spLocks noGrp="1"/>
+          </p:cNvSpPr>
+          <p:nvPr>
+            <p:ph type="body" idx="1"/>
+          </p:nvPr>
+        </p:nvSpPr>
+        <p:spPr/>
+        <p:txBody>
+          <a:bodyPr/>
+          <a:lstStyle/>
+          <a:p>
+            <a:r>
+              <a:rPr lang="vi-VN" dirty="0"/>
+              <a:t>Mô </a:t>
+            </a:r>
+            <a:r>
+              <a:rPr lang="vi-VN" dirty="0" err="1"/>
+              <a:t>hình</a:t>
+            </a:r>
+            <a:r>
+              <a:rPr lang="vi-VN" dirty="0"/>
+              <a:t> </a:t>
+            </a:r>
+            <a:r>
+              <a:rPr lang="vi-VN" dirty="0" err="1"/>
+              <a:t>query-onto</a:t>
+            </a:r>
+            <a:r>
+              <a:rPr lang="vi-VN" dirty="0"/>
+              <a:t> </a:t>
+            </a:r>
+            <a:r>
+              <a:rPr lang="vi-VN" dirty="0" err="1"/>
+              <a:t>là</a:t>
+            </a:r>
+            <a:r>
+              <a:rPr lang="vi-VN" dirty="0"/>
+              <a:t> mô </a:t>
+            </a:r>
+            <a:r>
+              <a:rPr lang="vi-VN" dirty="0" err="1"/>
+              <a:t>hình</a:t>
+            </a:r>
+            <a:r>
+              <a:rPr lang="vi-VN" dirty="0"/>
+              <a:t> </a:t>
+            </a:r>
+            <a:r>
+              <a:rPr lang="vi-VN" dirty="0" err="1"/>
+              <a:t>cải</a:t>
+            </a:r>
+            <a:r>
+              <a:rPr lang="vi-VN" dirty="0"/>
+              <a:t> </a:t>
+            </a:r>
+            <a:r>
+              <a:rPr lang="vi-VN" dirty="0" err="1"/>
+              <a:t>tiến</a:t>
+            </a:r>
+            <a:r>
+              <a:rPr lang="vi-VN" dirty="0"/>
+              <a:t> </a:t>
+            </a:r>
+            <a:r>
+              <a:rPr lang="vi-VN" dirty="0" err="1"/>
+              <a:t>từ</a:t>
+            </a:r>
+            <a:r>
+              <a:rPr lang="vi-VN" dirty="0"/>
+              <a:t> </a:t>
+            </a:r>
+            <a:r>
+              <a:rPr lang="vi-VN" dirty="0" err="1"/>
+              <a:t>ontology</a:t>
+            </a:r>
+            <a:r>
+              <a:rPr lang="vi-VN" dirty="0"/>
+              <a:t> </a:t>
+            </a:r>
+            <a:r>
+              <a:rPr lang="vi-VN" dirty="0" err="1"/>
+              <a:t>rela-model</a:t>
+            </a:r>
+            <a:r>
+              <a:rPr lang="vi-VN" dirty="0"/>
+              <a:t> tuy nhiên </a:t>
+            </a:r>
+            <a:r>
+              <a:rPr lang="vi-VN" dirty="0" err="1"/>
+              <a:t>các</a:t>
+            </a:r>
+            <a:r>
+              <a:rPr lang="vi-VN" dirty="0"/>
+              <a:t> </a:t>
+            </a:r>
+            <a:r>
+              <a:rPr lang="vi-VN" dirty="0" err="1"/>
+              <a:t>khái</a:t>
+            </a:r>
+            <a:r>
+              <a:rPr lang="vi-VN" dirty="0"/>
+              <a:t> </a:t>
+            </a:r>
+            <a:r>
+              <a:rPr lang="vi-VN" dirty="0" err="1"/>
+              <a:t>niệm</a:t>
+            </a:r>
+            <a:r>
+              <a:rPr lang="vi-VN" dirty="0"/>
+              <a:t> trong C </a:t>
+            </a:r>
+            <a:r>
+              <a:rPr lang="vi-VN" dirty="0" err="1"/>
+              <a:t>được</a:t>
+            </a:r>
+            <a:r>
+              <a:rPr lang="vi-VN" dirty="0"/>
+              <a:t> </a:t>
+            </a:r>
+            <a:r>
+              <a:rPr lang="vi-VN" dirty="0" err="1"/>
+              <a:t>cải</a:t>
+            </a:r>
+            <a:r>
+              <a:rPr lang="vi-VN" dirty="0"/>
+              <a:t> </a:t>
+            </a:r>
+            <a:r>
+              <a:rPr lang="vi-VN" dirty="0" err="1"/>
+              <a:t>tiến</a:t>
+            </a:r>
+            <a:r>
+              <a:rPr lang="vi-VN" dirty="0"/>
+              <a:t> </a:t>
+            </a:r>
+            <a:r>
+              <a:rPr lang="vi-VN" dirty="0" err="1"/>
+              <a:t>về</a:t>
+            </a:r>
+            <a:r>
+              <a:rPr lang="vi-VN" dirty="0"/>
+              <a:t> </a:t>
+            </a:r>
+            <a:r>
+              <a:rPr lang="vi-VN" dirty="0" err="1"/>
+              <a:t>cấu</a:t>
+            </a:r>
+            <a:r>
+              <a:rPr lang="vi-VN" dirty="0"/>
+              <a:t> </a:t>
+            </a:r>
+            <a:r>
+              <a:rPr lang="vi-VN" dirty="0" err="1"/>
+              <a:t>trúc</a:t>
+            </a:r>
+            <a:r>
+              <a:rPr lang="vi-VN" dirty="0"/>
+              <a:t> </a:t>
+            </a:r>
+            <a:r>
+              <a:rPr lang="vi-VN" dirty="0" err="1"/>
+              <a:t>thành</a:t>
+            </a:r>
+            <a:r>
+              <a:rPr lang="vi-VN" dirty="0"/>
+              <a:t> </a:t>
+            </a:r>
+            <a:r>
+              <a:rPr lang="vi-VN" dirty="0" err="1"/>
+              <a:t>phần</a:t>
+            </a:r>
+            <a:br>
+              <a:rPr lang="vi-VN" dirty="0"/>
+            </a:br>
+            <a:r>
+              <a:rPr lang="vi-VN" dirty="0" err="1"/>
+              <a:t>cộng</a:t>
+            </a:r>
+            <a:r>
+              <a:rPr lang="vi-VN" dirty="0"/>
+              <a:t> thêm </a:t>
+            </a:r>
+            <a:r>
+              <a:rPr lang="vi-VN" dirty="0" err="1"/>
+              <a:t>phần</a:t>
+            </a:r>
+            <a:r>
+              <a:rPr lang="vi-VN" dirty="0"/>
+              <a:t> </a:t>
+            </a:r>
+            <a:r>
+              <a:rPr lang="vi-VN" dirty="0" err="1"/>
+              <a:t>Exer</a:t>
+            </a:r>
+            <a:r>
+              <a:rPr lang="vi-VN" dirty="0"/>
+              <a:t> </a:t>
+            </a:r>
+            <a:r>
+              <a:rPr lang="vi-VN" dirty="0" err="1"/>
+              <a:t>và</a:t>
+            </a:r>
+            <a:r>
+              <a:rPr lang="vi-VN" dirty="0"/>
+              <a:t> </a:t>
+            </a:r>
+            <a:r>
+              <a:rPr lang="vi-VN" dirty="0" err="1"/>
+              <a:t>proof</a:t>
+            </a:r>
+            <a:r>
+              <a:rPr lang="vi-VN" dirty="0"/>
+              <a:t> </a:t>
+            </a:r>
+            <a:r>
+              <a:rPr lang="vi-VN" dirty="0" err="1"/>
+              <a:t>là</a:t>
+            </a:r>
+            <a:r>
+              <a:rPr lang="vi-VN" dirty="0"/>
+              <a:t> </a:t>
+            </a:r>
+            <a:r>
+              <a:rPr lang="vi-VN" dirty="0" err="1"/>
+              <a:t>bài</a:t>
+            </a:r>
+            <a:r>
+              <a:rPr lang="vi-VN" dirty="0"/>
+              <a:t> </a:t>
+            </a:r>
+            <a:r>
+              <a:rPr lang="vi-VN" dirty="0" err="1"/>
+              <a:t>tập</a:t>
+            </a:r>
+            <a:r>
+              <a:rPr lang="vi-VN" dirty="0"/>
+              <a:t> </a:t>
+            </a:r>
+            <a:r>
+              <a:rPr lang="vi-VN" dirty="0" err="1"/>
+              <a:t>và</a:t>
+            </a:r>
+            <a:r>
+              <a:rPr lang="vi-VN" dirty="0"/>
+              <a:t> phương </a:t>
+            </a:r>
+            <a:r>
+              <a:rPr lang="vi-VN" dirty="0" err="1"/>
+              <a:t>pháp</a:t>
+            </a:r>
+            <a:r>
+              <a:rPr lang="vi-VN" dirty="0"/>
+              <a:t> </a:t>
+            </a:r>
+            <a:r>
+              <a:rPr lang="vi-VN" dirty="0" err="1"/>
+              <a:t>giải</a:t>
+            </a:r>
+            <a:r>
+              <a:rPr lang="vi-VN" dirty="0"/>
+              <a:t> tương </a:t>
+            </a:r>
+            <a:r>
+              <a:rPr lang="vi-VN" dirty="0" err="1"/>
+              <a:t>ứng</a:t>
+            </a:r>
+            <a:endParaRPr lang="en-US" dirty="0"/>
+          </a:p>
+        </p:txBody>
+      </p:sp>
+      <p:sp>
+        <p:nvSpPr>
+          <p:cNvPr id="4" name="Slide Number Placeholder 3"/>
+          <p:cNvSpPr>
+            <a:spLocks noGrp="1"/>
+          </p:cNvSpPr>
+          <p:nvPr>
+            <p:ph type="sldNum" sz="quarter" idx="5"/>
+          </p:nvPr>
+        </p:nvSpPr>
+        <p:spPr/>
+        <p:txBody>
+          <a:bodyPr/>
+          <a:lstStyle/>
+          <a:p>
+            <a:fld id="{1D917B78-6701-47BB-98C6-CDD1C3228D16}" type="slidenum">
+              <a:rPr lang="en-US" smtClean="0"/>
+              <a:t>9</a:t>
+            </a:fld>
+            <a:endParaRPr lang="en-US"/>
+          </a:p>
+        </p:txBody>
+      </p:sp>
+    </p:spTree>
+    <p:extLst>
+      <p:ext uri="{BB962C8B-B14F-4D97-AF65-F5344CB8AC3E}">
+        <p14:creationId xmlns:p14="http://schemas.microsoft.com/office/powerpoint/2010/main" val="1351378738"/>
+      </p:ext>
+    </p:extLst>
+  </p:cSld>
+  <p:clrMapOvr>
+    <a:masterClrMapping/>
+  </p:clrMapOvr>
+</p:notes>
+</file>
+
+<file path=ppt/notesSlides/notesSlide5.xml><?xml version="1.0" encoding="utf-8"?>
+<p:notes xmlns:a="http://schemas.openxmlformats.org/drawingml/2006/main" xmlns:r="http://schemas.openxmlformats.org/officeDocument/2006/relationships" xmlns:p="http://schemas.openxmlformats.org/presentationml/2006/main">
+  <p:cSld>
+    <p:spTree>
+      <p:nvGrpSpPr>
+        <p:cNvPr id="1" name=""/>
+        <p:cNvGrpSpPr/>
+        <p:nvPr/>
+      </p:nvGrpSpPr>
+      <p:grpSpPr>
+        <a:xfrm>
+          <a:off x="0" y="0"/>
+          <a:ext cx="0" cy="0"/>
+          <a:chOff x="0" y="0"/>
+          <a:chExt cx="0" cy="0"/>
+        </a:xfrm>
+      </p:grpSpPr>
+      <p:sp>
+        <p:nvSpPr>
+          <p:cNvPr id="2" name="Slide Image Placeholder 1"/>
+          <p:cNvSpPr>
+            <a:spLocks noGrp="1" noRot="1" noChangeAspect="1"/>
+          </p:cNvSpPr>
+          <p:nvPr>
+            <p:ph type="sldImg"/>
+          </p:nvPr>
+        </p:nvSpPr>
+        <p:spPr/>
+      </p:sp>
+      <p:sp>
+        <p:nvSpPr>
+          <p:cNvPr id="3" name="Notes Placeholder 2"/>
+          <p:cNvSpPr>
+            <a:spLocks noGrp="1"/>
+          </p:cNvSpPr>
+          <p:nvPr>
+            <p:ph type="body" idx="1"/>
+          </p:nvPr>
+        </p:nvSpPr>
+        <p:spPr/>
+        <p:txBody>
+          <a:bodyPr/>
+          <a:lstStyle/>
+          <a:p>
+            <a:r>
+              <a:rPr lang="vi-VN" dirty="0"/>
+              <a:t>Trong </a:t>
+            </a:r>
+            <a:r>
+              <a:rPr lang="vi-VN" dirty="0" err="1"/>
+              <a:t>kiến</a:t>
+            </a:r>
+            <a:r>
+              <a:rPr lang="vi-VN" dirty="0"/>
+              <a:t> </a:t>
+            </a:r>
+            <a:r>
+              <a:rPr lang="vi-VN" dirty="0" err="1"/>
+              <a:t>trúc</a:t>
+            </a:r>
+            <a:r>
+              <a:rPr lang="vi-VN" dirty="0"/>
+              <a:t> </a:t>
+            </a:r>
+            <a:r>
+              <a:rPr lang="vi-VN" dirty="0" err="1"/>
+              <a:t>này</a:t>
+            </a:r>
+            <a:r>
+              <a:rPr lang="vi-VN" dirty="0"/>
+              <a:t>, </a:t>
+            </a:r>
+            <a:r>
+              <a:rPr lang="vi-VN" dirty="0" err="1"/>
+              <a:t>việc</a:t>
+            </a:r>
+            <a:r>
+              <a:rPr lang="vi-VN" dirty="0"/>
+              <a:t> </a:t>
+            </a:r>
+            <a:r>
+              <a:rPr lang="vi-VN" dirty="0" err="1"/>
+              <a:t>thiết</a:t>
+            </a:r>
+            <a:r>
+              <a:rPr lang="vi-VN" dirty="0"/>
+              <a:t> </a:t>
+            </a:r>
+            <a:r>
+              <a:rPr lang="vi-VN" dirty="0" err="1"/>
+              <a:t>kế</a:t>
+            </a:r>
+            <a:r>
+              <a:rPr lang="vi-VN" dirty="0"/>
+              <a:t> cơ </a:t>
+            </a:r>
+            <a:r>
+              <a:rPr lang="vi-VN" dirty="0" err="1"/>
+              <a:t>sở</a:t>
+            </a:r>
+            <a:r>
+              <a:rPr lang="vi-VN" dirty="0"/>
+              <a:t> tri </a:t>
+            </a:r>
+            <a:r>
+              <a:rPr lang="vi-VN" dirty="0" err="1"/>
+              <a:t>thức</a:t>
+            </a:r>
+            <a:r>
+              <a:rPr lang="vi-VN" dirty="0"/>
+              <a:t> </a:t>
+            </a:r>
+            <a:r>
+              <a:rPr lang="vi-VN" dirty="0" err="1"/>
+              <a:t>biểu</a:t>
+            </a:r>
+            <a:r>
+              <a:rPr lang="vi-VN" dirty="0"/>
+              <a:t> </a:t>
+            </a:r>
+            <a:r>
+              <a:rPr lang="vi-VN" dirty="0" err="1"/>
+              <a:t>diễn</a:t>
+            </a:r>
+            <a:r>
+              <a:rPr lang="vi-VN" dirty="0"/>
+              <a:t> </a:t>
+            </a:r>
+            <a:r>
+              <a:rPr lang="vi-VN" dirty="0" err="1"/>
+              <a:t>cũng</a:t>
+            </a:r>
+            <a:r>
+              <a:rPr lang="vi-VN" dirty="0"/>
+              <a:t> như </a:t>
+            </a:r>
+            <a:r>
+              <a:rPr lang="vi-VN" dirty="0" err="1"/>
+              <a:t>động</a:t>
+            </a:r>
+            <a:r>
+              <a:rPr lang="vi-VN" dirty="0"/>
+              <a:t> cơ </a:t>
+            </a:r>
+            <a:r>
+              <a:rPr lang="vi-VN" dirty="0" err="1"/>
+              <a:t>để</a:t>
+            </a:r>
+            <a:r>
+              <a:rPr lang="vi-VN" dirty="0"/>
+              <a:t> </a:t>
+            </a:r>
+            <a:r>
+              <a:rPr lang="vi-VN" dirty="0" err="1"/>
+              <a:t>tìm</a:t>
+            </a:r>
+            <a:r>
+              <a:rPr lang="vi-VN" dirty="0"/>
+              <a:t> </a:t>
+            </a:r>
+            <a:r>
+              <a:rPr lang="vi-VN" dirty="0" err="1"/>
+              <a:t>kiếm</a:t>
+            </a:r>
+            <a:r>
+              <a:rPr lang="vi-VN" dirty="0"/>
+              <a:t> tra </a:t>
+            </a:r>
+            <a:r>
+              <a:rPr lang="vi-VN" dirty="0" err="1"/>
+              <a:t>cứu</a:t>
+            </a:r>
+            <a:r>
+              <a:rPr lang="vi-VN" dirty="0"/>
+              <a:t> </a:t>
+            </a:r>
+            <a:r>
+              <a:rPr lang="vi-VN" dirty="0" err="1"/>
+              <a:t>là</a:t>
+            </a:r>
+            <a:r>
+              <a:rPr lang="vi-VN" dirty="0"/>
+              <a:t> vô </a:t>
+            </a:r>
+            <a:r>
+              <a:rPr lang="vi-VN" dirty="0" err="1"/>
+              <a:t>cùng</a:t>
+            </a:r>
+            <a:r>
+              <a:rPr lang="vi-VN" dirty="0"/>
+              <a:t> quan </a:t>
+            </a:r>
+            <a:r>
+              <a:rPr lang="vi-VN" dirty="0" err="1"/>
+              <a:t>trọng</a:t>
+            </a:r>
+            <a:endParaRPr lang="en-US" dirty="0"/>
+          </a:p>
+        </p:txBody>
+      </p:sp>
+      <p:sp>
+        <p:nvSpPr>
+          <p:cNvPr id="4" name="Slide Number Placeholder 3"/>
+          <p:cNvSpPr>
+            <a:spLocks noGrp="1"/>
+          </p:cNvSpPr>
+          <p:nvPr>
+            <p:ph type="sldNum" sz="quarter" idx="5"/>
+          </p:nvPr>
+        </p:nvSpPr>
+        <p:spPr/>
+        <p:txBody>
+          <a:bodyPr/>
+          <a:lstStyle/>
+          <a:p>
+            <a:fld id="{1D917B78-6701-47BB-98C6-CDD1C3228D16}" type="slidenum">
+              <a:rPr lang="en-US" smtClean="0"/>
+              <a:t>10</a:t>
+            </a:fld>
+            <a:endParaRPr lang="en-US"/>
+          </a:p>
+        </p:txBody>
+      </p:sp>
+    </p:spTree>
+    <p:extLst>
+      <p:ext uri="{BB962C8B-B14F-4D97-AF65-F5344CB8AC3E}">
+        <p14:creationId xmlns:p14="http://schemas.microsoft.com/office/powerpoint/2010/main" val="2990674311"/>
       </p:ext>
     </p:extLst>
   </p:cSld>
@@ -2587,7 +3275,7 @@
           <a:p>
             <a:fld id="{1BDBB8E3-051A-4F4A-BAD4-603CA2F58518}" type="datetimeFigureOut">
               <a:rPr lang="vi-VN" smtClean="0"/>
-              <a:t>12/07/2021</a:t>
+              <a:t>15/07/2021</a:t>
             </a:fld>
             <a:endParaRPr lang="vi-VN"/>
           </a:p>
@@ -2838,7 +3526,7 @@
           <a:p>
             <a:fld id="{1BDBB8E3-051A-4F4A-BAD4-603CA2F58518}" type="datetimeFigureOut">
               <a:rPr lang="vi-VN" smtClean="0"/>
-              <a:t>12/07/2021</a:t>
+              <a:t>15/07/2021</a:t>
             </a:fld>
             <a:endParaRPr lang="vi-VN"/>
           </a:p>
@@ -3152,7 +3840,7 @@
           <a:p>
             <a:fld id="{1BDBB8E3-051A-4F4A-BAD4-603CA2F58518}" type="datetimeFigureOut">
               <a:rPr lang="vi-VN" smtClean="0"/>
-              <a:t>12/07/2021</a:t>
+              <a:t>15/07/2021</a:t>
             </a:fld>
             <a:endParaRPr lang="vi-VN"/>
           </a:p>
@@ -3493,7 +4181,7 @@
           <a:p>
             <a:fld id="{1BDBB8E3-051A-4F4A-BAD4-603CA2F58518}" type="datetimeFigureOut">
               <a:rPr lang="vi-VN" smtClean="0"/>
-              <a:t>12/07/2021</a:t>
+              <a:t>15/07/2021</a:t>
             </a:fld>
             <a:endParaRPr lang="vi-VN"/>
           </a:p>
@@ -3807,7 +4495,7 @@
           <a:p>
             <a:fld id="{1BDBB8E3-051A-4F4A-BAD4-603CA2F58518}" type="datetimeFigureOut">
               <a:rPr lang="vi-VN" smtClean="0"/>
-              <a:t>12/07/2021</a:t>
+              <a:t>15/07/2021</a:t>
             </a:fld>
             <a:endParaRPr lang="vi-VN"/>
           </a:p>
@@ -4200,7 +4888,7 @@
           <a:p>
             <a:fld id="{1BDBB8E3-051A-4F4A-BAD4-603CA2F58518}" type="datetimeFigureOut">
               <a:rPr lang="vi-VN" smtClean="0"/>
-              <a:t>12/07/2021</a:t>
+              <a:t>15/07/2021</a:t>
             </a:fld>
             <a:endParaRPr lang="vi-VN"/>
           </a:p>
@@ -4370,7 +5058,7 @@
           <a:p>
             <a:fld id="{1BDBB8E3-051A-4F4A-BAD4-603CA2F58518}" type="datetimeFigureOut">
               <a:rPr lang="vi-VN" smtClean="0"/>
-              <a:t>12/07/2021</a:t>
+              <a:t>15/07/2021</a:t>
             </a:fld>
             <a:endParaRPr lang="vi-VN"/>
           </a:p>
@@ -4550,7 +5238,7 @@
           <a:p>
             <a:fld id="{1BDBB8E3-051A-4F4A-BAD4-603CA2F58518}" type="datetimeFigureOut">
               <a:rPr lang="vi-VN" smtClean="0"/>
-              <a:t>12/07/2021</a:t>
+              <a:t>15/07/2021</a:t>
             </a:fld>
             <a:endParaRPr lang="vi-VN"/>
           </a:p>
@@ -4726,7 +5414,7 @@
           <a:p>
             <a:fld id="{1BDBB8E3-051A-4F4A-BAD4-603CA2F58518}" type="datetimeFigureOut">
               <a:rPr lang="vi-VN" smtClean="0"/>
-              <a:t>12/07/2021</a:t>
+              <a:t>15/07/2021</a:t>
             </a:fld>
             <a:endParaRPr lang="vi-VN"/>
           </a:p>
@@ -4973,7 +5661,7 @@
           <a:p>
             <a:fld id="{1BDBB8E3-051A-4F4A-BAD4-603CA2F58518}" type="datetimeFigureOut">
               <a:rPr lang="vi-VN" smtClean="0"/>
-              <a:t>12/07/2021</a:t>
+              <a:t>15/07/2021</a:t>
             </a:fld>
             <a:endParaRPr lang="vi-VN"/>
           </a:p>
@@ -5205,7 +5893,7 @@
           <a:p>
             <a:fld id="{1BDBB8E3-051A-4F4A-BAD4-603CA2F58518}" type="datetimeFigureOut">
               <a:rPr lang="vi-VN" smtClean="0"/>
-              <a:t>12/07/2021</a:t>
+              <a:t>15/07/2021</a:t>
             </a:fld>
             <a:endParaRPr lang="vi-VN"/>
           </a:p>
@@ -5579,7 +6267,7 @@
           <a:p>
             <a:fld id="{1BDBB8E3-051A-4F4A-BAD4-603CA2F58518}" type="datetimeFigureOut">
               <a:rPr lang="vi-VN" smtClean="0"/>
-              <a:t>12/07/2021</a:t>
+              <a:t>15/07/2021</a:t>
             </a:fld>
             <a:endParaRPr lang="vi-VN"/>
           </a:p>
@@ -5702,7 +6390,7 @@
           <a:p>
             <a:fld id="{1BDBB8E3-051A-4F4A-BAD4-603CA2F58518}" type="datetimeFigureOut">
               <a:rPr lang="vi-VN" smtClean="0"/>
-              <a:t>12/07/2021</a:t>
+              <a:t>15/07/2021</a:t>
             </a:fld>
             <a:endParaRPr lang="vi-VN"/>
           </a:p>
@@ -5797,7 +6485,7 @@
           <a:p>
             <a:fld id="{1BDBB8E3-051A-4F4A-BAD4-603CA2F58518}" type="datetimeFigureOut">
               <a:rPr lang="vi-VN" smtClean="0"/>
-              <a:t>12/07/2021</a:t>
+              <a:t>15/07/2021</a:t>
             </a:fld>
             <a:endParaRPr lang="vi-VN"/>
           </a:p>
@@ -6052,7 +6740,7 @@
           <a:p>
             <a:fld id="{1BDBB8E3-051A-4F4A-BAD4-603CA2F58518}" type="datetimeFigureOut">
               <a:rPr lang="vi-VN" smtClean="0"/>
-              <a:t>12/07/2021</a:t>
+              <a:t>15/07/2021</a:t>
             </a:fld>
             <a:endParaRPr lang="vi-VN"/>
           </a:p>
@@ -6315,7 +7003,7 @@
           <a:p>
             <a:fld id="{1BDBB8E3-051A-4F4A-BAD4-603CA2F58518}" type="datetimeFigureOut">
               <a:rPr lang="vi-VN" smtClean="0"/>
-              <a:t>12/07/2021</a:t>
+              <a:t>15/07/2021</a:t>
             </a:fld>
             <a:endParaRPr lang="vi-VN"/>
           </a:p>
@@ -7058,7 +7746,7 @@
           <a:p>
             <a:fld id="{1BDBB8E3-051A-4F4A-BAD4-603CA2F58518}" type="datetimeFigureOut">
               <a:rPr lang="vi-VN" smtClean="0"/>
-              <a:t>12/07/2021</a:t>
+              <a:t>15/07/2021</a:t>
             </a:fld>
             <a:endParaRPr lang="vi-VN"/>
           </a:p>
@@ -7923,6 +8611,375 @@
           <p:cNvPr id="2" name="Title 1">
             <a:extLst>
               <a:ext uri="{FF2B5EF4-FFF2-40B4-BE49-F238E27FC236}">
+                <a16:creationId xmlns:a16="http://schemas.microsoft.com/office/drawing/2014/main" id="{EA4D9DF4-58E9-446B-867C-EAF5F8581AC9}"/>
+              </a:ext>
+            </a:extLst>
+          </p:cNvPr>
+          <p:cNvSpPr>
+            <a:spLocks noGrp="1"/>
+          </p:cNvSpPr>
+          <p:nvPr>
+            <p:ph type="title"/>
+          </p:nvPr>
+        </p:nvSpPr>
+        <p:spPr>
+          <a:xfrm>
+            <a:off x="607886" y="209916"/>
+            <a:ext cx="8214739" cy="1320800"/>
+          </a:xfrm>
+        </p:spPr>
+        <p:txBody>
+          <a:bodyPr>
+            <a:normAutofit/>
+          </a:bodyPr>
+          <a:lstStyle/>
+          <a:p>
+            <a:r>
+              <a:rPr lang="vi-VN" sz="4000" dirty="0" err="1">
+                <a:solidFill>
+                  <a:schemeClr val="tx1"/>
+                </a:solidFill>
+                <a:latin typeface="Times New Roman" panose="02020603050405020304" pitchFamily="18" charset="0"/>
+                <a:cs typeface="Times New Roman" panose="02020603050405020304" pitchFamily="18" charset="0"/>
+              </a:rPr>
+              <a:t>Phần</a:t>
+            </a:r>
+            <a:r>
+              <a:rPr lang="vi-VN" sz="4000" dirty="0">
+                <a:solidFill>
+                  <a:schemeClr val="tx1"/>
+                </a:solidFill>
+                <a:latin typeface="Times New Roman" panose="02020603050405020304" pitchFamily="18" charset="0"/>
+                <a:cs typeface="Times New Roman" panose="02020603050405020304" pitchFamily="18" charset="0"/>
+              </a:rPr>
+              <a:t> 2: </a:t>
+            </a:r>
+            <a:r>
+              <a:rPr lang="vi-VN" sz="4000" dirty="0" err="1">
+                <a:solidFill>
+                  <a:schemeClr val="tx1"/>
+                </a:solidFill>
+                <a:latin typeface="Times New Roman" panose="02020603050405020304" pitchFamily="18" charset="0"/>
+                <a:cs typeface="Times New Roman" panose="02020603050405020304" pitchFamily="18" charset="0"/>
+              </a:rPr>
+              <a:t>Giới</a:t>
+            </a:r>
+            <a:r>
+              <a:rPr lang="vi-VN" sz="4000" dirty="0">
+                <a:solidFill>
+                  <a:schemeClr val="tx1"/>
+                </a:solidFill>
+                <a:latin typeface="Times New Roman" panose="02020603050405020304" pitchFamily="18" charset="0"/>
+                <a:cs typeface="Times New Roman" panose="02020603050405020304" pitchFamily="18" charset="0"/>
+              </a:rPr>
+              <a:t> </a:t>
+            </a:r>
+            <a:r>
+              <a:rPr lang="vi-VN" sz="4000" dirty="0" err="1">
+                <a:solidFill>
+                  <a:schemeClr val="tx1"/>
+                </a:solidFill>
+                <a:latin typeface="Times New Roman" panose="02020603050405020304" pitchFamily="18" charset="0"/>
+                <a:cs typeface="Times New Roman" panose="02020603050405020304" pitchFamily="18" charset="0"/>
+              </a:rPr>
+              <a:t>thiệu</a:t>
+            </a:r>
+            <a:r>
+              <a:rPr lang="vi-VN" sz="4000" dirty="0">
+                <a:solidFill>
+                  <a:schemeClr val="tx1"/>
+                </a:solidFill>
+                <a:latin typeface="Times New Roman" panose="02020603050405020304" pitchFamily="18" charset="0"/>
+                <a:cs typeface="Times New Roman" panose="02020603050405020304" pitchFamily="18" charset="0"/>
+              </a:rPr>
+              <a:t> </a:t>
+            </a:r>
+            <a:r>
+              <a:rPr lang="vi-VN" sz="4000" dirty="0" err="1">
+                <a:solidFill>
+                  <a:schemeClr val="tx1"/>
+                </a:solidFill>
+                <a:latin typeface="Times New Roman" panose="02020603050405020304" pitchFamily="18" charset="0"/>
+                <a:cs typeface="Times New Roman" panose="02020603050405020304" pitchFamily="18" charset="0"/>
+              </a:rPr>
+              <a:t>Ontology</a:t>
+            </a:r>
+            <a:r>
+              <a:rPr lang="vi-VN" sz="4000" dirty="0">
+                <a:solidFill>
+                  <a:schemeClr val="tx1"/>
+                </a:solidFill>
+                <a:latin typeface="Times New Roman" panose="02020603050405020304" pitchFamily="18" charset="0"/>
+                <a:cs typeface="Times New Roman" panose="02020603050405020304" pitchFamily="18" charset="0"/>
+              </a:rPr>
+              <a:t> </a:t>
+            </a:r>
+            <a:r>
+              <a:rPr lang="vi-VN" sz="4000" dirty="0" err="1">
+                <a:solidFill>
+                  <a:schemeClr val="tx1"/>
+                </a:solidFill>
+                <a:latin typeface="Times New Roman" panose="02020603050405020304" pitchFamily="18" charset="0"/>
+                <a:cs typeface="Times New Roman" panose="02020603050405020304" pitchFamily="18" charset="0"/>
+              </a:rPr>
+              <a:t>biểu</a:t>
+            </a:r>
+            <a:r>
+              <a:rPr lang="vi-VN" sz="4000" dirty="0">
+                <a:solidFill>
+                  <a:schemeClr val="tx1"/>
+                </a:solidFill>
+                <a:latin typeface="Times New Roman" panose="02020603050405020304" pitchFamily="18" charset="0"/>
+                <a:cs typeface="Times New Roman" panose="02020603050405020304" pitchFamily="18" charset="0"/>
+              </a:rPr>
+              <a:t> </a:t>
+            </a:r>
+            <a:r>
+              <a:rPr lang="vi-VN" sz="4000" dirty="0" err="1">
+                <a:solidFill>
+                  <a:schemeClr val="tx1"/>
+                </a:solidFill>
+                <a:latin typeface="Times New Roman" panose="02020603050405020304" pitchFamily="18" charset="0"/>
+                <a:cs typeface="Times New Roman" panose="02020603050405020304" pitchFamily="18" charset="0"/>
+              </a:rPr>
+              <a:t>diễn</a:t>
+            </a:r>
+            <a:r>
+              <a:rPr lang="vi-VN" sz="4000" dirty="0">
+                <a:solidFill>
+                  <a:schemeClr val="tx1"/>
+                </a:solidFill>
+                <a:latin typeface="Times New Roman" panose="02020603050405020304" pitchFamily="18" charset="0"/>
+                <a:cs typeface="Times New Roman" panose="02020603050405020304" pitchFamily="18" charset="0"/>
+              </a:rPr>
+              <a:t> tri </a:t>
+            </a:r>
+            <a:r>
+              <a:rPr lang="vi-VN" sz="4000" dirty="0" err="1">
+                <a:solidFill>
+                  <a:schemeClr val="tx1"/>
+                </a:solidFill>
+                <a:latin typeface="Times New Roman" panose="02020603050405020304" pitchFamily="18" charset="0"/>
+                <a:cs typeface="Times New Roman" panose="02020603050405020304" pitchFamily="18" charset="0"/>
+              </a:rPr>
+              <a:t>thức</a:t>
+            </a:r>
+            <a:r>
+              <a:rPr lang="vi-VN" sz="4000" dirty="0">
+                <a:solidFill>
+                  <a:schemeClr val="tx1"/>
+                </a:solidFill>
+                <a:latin typeface="Times New Roman" panose="02020603050405020304" pitchFamily="18" charset="0"/>
+                <a:cs typeface="Times New Roman" panose="02020603050405020304" pitchFamily="18" charset="0"/>
+              </a:rPr>
+              <a:t> cho </a:t>
+            </a:r>
+            <a:r>
+              <a:rPr lang="vi-VN" sz="4000" dirty="0" err="1">
+                <a:solidFill>
+                  <a:schemeClr val="tx1"/>
+                </a:solidFill>
+                <a:latin typeface="Times New Roman" panose="02020603050405020304" pitchFamily="18" charset="0"/>
+                <a:cs typeface="Times New Roman" panose="02020603050405020304" pitchFamily="18" charset="0"/>
+              </a:rPr>
+              <a:t>việc</a:t>
+            </a:r>
+            <a:r>
+              <a:rPr lang="vi-VN" sz="4000" dirty="0">
+                <a:solidFill>
+                  <a:schemeClr val="tx1"/>
+                </a:solidFill>
+                <a:latin typeface="Times New Roman" panose="02020603050405020304" pitchFamily="18" charset="0"/>
+                <a:cs typeface="Times New Roman" panose="02020603050405020304" pitchFamily="18" charset="0"/>
+              </a:rPr>
+              <a:t> tra </a:t>
+            </a:r>
+            <a:r>
+              <a:rPr lang="vi-VN" sz="4000" dirty="0" err="1">
+                <a:solidFill>
+                  <a:schemeClr val="tx1"/>
+                </a:solidFill>
+                <a:latin typeface="Times New Roman" panose="02020603050405020304" pitchFamily="18" charset="0"/>
+                <a:cs typeface="Times New Roman" panose="02020603050405020304" pitchFamily="18" charset="0"/>
+              </a:rPr>
+              <a:t>cứu</a:t>
+            </a:r>
+            <a:endParaRPr lang="en-US" sz="4000" dirty="0">
+              <a:solidFill>
+                <a:schemeClr val="tx1"/>
+              </a:solidFill>
+              <a:latin typeface="Times New Roman" panose="02020603050405020304" pitchFamily="18" charset="0"/>
+              <a:cs typeface="Times New Roman" panose="02020603050405020304" pitchFamily="18" charset="0"/>
+            </a:endParaRPr>
+          </a:p>
+        </p:txBody>
+      </p:sp>
+      <p:pic>
+        <p:nvPicPr>
+          <p:cNvPr id="5" name="Picture 4">
+            <a:extLst>
+              <a:ext uri="{FF2B5EF4-FFF2-40B4-BE49-F238E27FC236}">
+                <a16:creationId xmlns:a16="http://schemas.microsoft.com/office/drawing/2014/main" id="{498A5031-1F7D-496B-8ABA-4D61BF985244}"/>
+              </a:ext>
+            </a:extLst>
+          </p:cNvPr>
+          <p:cNvPicPr>
+            <a:picLocks noChangeAspect="1"/>
+          </p:cNvPicPr>
+          <p:nvPr/>
+        </p:nvPicPr>
+        <p:blipFill>
+          <a:blip r:embed="rId3">
+            <a:extLst>
+              <a:ext uri="{28A0092B-C50C-407E-A947-70E740481C1C}">
+                <a14:useLocalDpi xmlns:a14="http://schemas.microsoft.com/office/drawing/2010/main" val="0"/>
+              </a:ext>
+            </a:extLst>
+          </a:blip>
+          <a:stretch>
+            <a:fillRect/>
+          </a:stretch>
+        </p:blipFill>
+        <p:spPr>
+          <a:xfrm>
+            <a:off x="1104204" y="1530716"/>
+            <a:ext cx="9983591" cy="4918196"/>
+          </a:xfrm>
+          <a:prstGeom prst="rect">
+            <a:avLst/>
+          </a:prstGeom>
+        </p:spPr>
+      </p:pic>
+    </p:spTree>
+    <p:extLst>
+      <p:ext uri="{BB962C8B-B14F-4D97-AF65-F5344CB8AC3E}">
+        <p14:creationId xmlns:p14="http://schemas.microsoft.com/office/powerpoint/2010/main" val="2161551671"/>
+      </p:ext>
+    </p:extLst>
+  </p:cSld>
+  <p:clrMapOvr>
+    <a:masterClrMapping/>
+  </p:clrMapOvr>
+  <mc:AlternateContent xmlns:mc="http://schemas.openxmlformats.org/markup-compatibility/2006" xmlns:p14="http://schemas.microsoft.com/office/powerpoint/2010/main">
+    <mc:Choice Requires="p14">
+      <p:transition spd="slow" p14:dur="800">
+        <p14:flythrough/>
+      </p:transition>
+    </mc:Choice>
+    <mc:Fallback xmlns="">
+      <p:transition spd="slow">
+        <p:fade/>
+      </p:transition>
+    </mc:Fallback>
+  </mc:AlternateContent>
+  <p:timing>
+    <p:tnLst>
+      <p:par>
+        <p:cTn id="1" dur="indefinite" restart="never" nodeType="tmRoot">
+          <p:childTnLst>
+            <p:seq concurrent="1" nextAc="seek">
+              <p:cTn id="2" dur="indefinite" nodeType="mainSeq">
+                <p:childTnLst>
+                  <p:par>
+                    <p:cTn id="3" fill="hold">
+                      <p:stCondLst>
+                        <p:cond delay="indefinite"/>
+                      </p:stCondLst>
+                      <p:childTnLst>
+                        <p:par>
+                          <p:cTn id="4" fill="hold">
+                            <p:stCondLst>
+                              <p:cond delay="0"/>
+                            </p:stCondLst>
+                            <p:childTnLst>
+                              <p:par>
+                                <p:cTn id="5" presetID="22" presetClass="entr" presetSubtype="8" fill="hold" nodeType="clickEffect">
+                                  <p:stCondLst>
+                                    <p:cond delay="0"/>
+                                  </p:stCondLst>
+                                  <p:childTnLst>
+                                    <p:set>
+                                      <p:cBhvr>
+                                        <p:cTn id="6" dur="1" fill="hold">
+                                          <p:stCondLst>
+                                            <p:cond delay="0"/>
+                                          </p:stCondLst>
+                                        </p:cTn>
+                                        <p:tgtEl>
+                                          <p:spTgt spid="5"/>
+                                        </p:tgtEl>
+                                        <p:attrNameLst>
+                                          <p:attrName>style.visibility</p:attrName>
+                                        </p:attrNameLst>
+                                      </p:cBhvr>
+                                      <p:to>
+                                        <p:strVal val="visible"/>
+                                      </p:to>
+                                    </p:set>
+                                    <p:animEffect transition="in" filter="wipe(left)">
+                                      <p:cBhvr>
+                                        <p:cTn id="7" dur="500"/>
+                                        <p:tgtEl>
+                                          <p:spTgt spid="5"/>
+                                        </p:tgtEl>
+                                      </p:cBhvr>
+                                    </p:animEffect>
+                                  </p:childTnLst>
+                                </p:cTn>
+                              </p:par>
+                            </p:childTnLst>
+                          </p:cTn>
+                        </p:par>
+                      </p:childTnLst>
+                    </p:cTn>
+                  </p:par>
+                </p:childTnLst>
+              </p:cTn>
+              <p:prevCondLst>
+                <p:cond evt="onPrev" delay="0">
+                  <p:tgtEl>
+                    <p:sldTgt/>
+                  </p:tgtEl>
+                </p:cond>
+              </p:prevCondLst>
+              <p:nextCondLst>
+                <p:cond evt="onNext" delay="0">
+                  <p:tgtEl>
+                    <p:sldTgt/>
+                  </p:tgtEl>
+                </p:cond>
+              </p:nextCondLst>
+            </p:seq>
+          </p:childTnLst>
+        </p:cTn>
+      </p:par>
+    </p:tnLst>
+  </p:timing>
+</p:sld>
+</file>
+
+<file path=ppt/slides/slide11.xml><?xml version="1.0" encoding="utf-8"?>
+<p:sld xmlns:a="http://schemas.openxmlformats.org/drawingml/2006/main" xmlns:r="http://schemas.openxmlformats.org/officeDocument/2006/relationships" xmlns:p="http://schemas.openxmlformats.org/presentationml/2006/main">
+  <p:cSld>
+    <p:spTree>
+      <p:nvGrpSpPr>
+        <p:cNvPr id="1" name=""/>
+        <p:cNvGrpSpPr/>
+        <p:nvPr/>
+      </p:nvGrpSpPr>
+      <p:grpSpPr>
+        <a:xfrm>
+          <a:off x="0" y="0"/>
+          <a:ext cx="0" cy="0"/>
+          <a:chOff x="0" y="0"/>
+          <a:chExt cx="0" cy="0"/>
+        </a:xfrm>
+      </p:grpSpPr>
+      <p:sp>
+        <p:nvSpPr>
+          <p:cNvPr id="2" name="Title 1">
+            <a:extLst>
+              <a:ext uri="{FF2B5EF4-FFF2-40B4-BE49-F238E27FC236}">
                 <a16:creationId xmlns:a16="http://schemas.microsoft.com/office/drawing/2014/main" id="{895EC1C9-E475-451F-8629-6A4C4A11D4A9}"/>
               </a:ext>
             </a:extLst>
@@ -8660,7 +9717,7 @@
 </p:sld>
 </file>
 
-<file path=ppt/slides/slide11.xml><?xml version="1.0" encoding="utf-8"?>
+<file path=ppt/slides/slide12.xml><?xml version="1.0" encoding="utf-8"?>
 <p:sld xmlns:a="http://schemas.openxmlformats.org/drawingml/2006/main" xmlns:r="http://schemas.openxmlformats.org/officeDocument/2006/relationships" xmlns:p="http://schemas.openxmlformats.org/presentationml/2006/main">
   <p:cSld>
     <p:spTree>
@@ -8929,7 +9986,7 @@
 </p:sld>
 </file>
 
-<file path=ppt/slides/slide12.xml><?xml version="1.0" encoding="utf-8"?>
+<file path=ppt/slides/slide13.xml><?xml version="1.0" encoding="utf-8"?>
 <p:sld xmlns:a="http://schemas.openxmlformats.org/drawingml/2006/main" xmlns:r="http://schemas.openxmlformats.org/officeDocument/2006/relationships" xmlns:p="http://schemas.openxmlformats.org/presentationml/2006/main">
   <p:cSld>
     <p:spTree>
@@ -9198,7 +10255,7 @@
 </p:sld>
 </file>
 
-<file path=ppt/slides/slide13.xml><?xml version="1.0" encoding="utf-8"?>
+<file path=ppt/slides/slide14.xml><?xml version="1.0" encoding="utf-8"?>
 <p:sld xmlns:a="http://schemas.openxmlformats.org/drawingml/2006/main" xmlns:r="http://schemas.openxmlformats.org/officeDocument/2006/relationships" xmlns:p="http://schemas.openxmlformats.org/presentationml/2006/main">
   <p:cSld>
     <p:spTree>
@@ -9957,7 +11014,7 @@
 </p:sld>
 </file>
 
-<file path=ppt/slides/slide14.xml><?xml version="1.0" encoding="utf-8"?>
+<file path=ppt/slides/slide15.xml><?xml version="1.0" encoding="utf-8"?>
 <p:sld xmlns:a="http://schemas.openxmlformats.org/drawingml/2006/main" xmlns:r="http://schemas.openxmlformats.org/officeDocument/2006/relationships" xmlns:p="http://schemas.openxmlformats.org/presentationml/2006/main">
   <p:cSld>
     <p:spTree>
@@ -10333,7 +11390,7 @@
 </p:sld>
 </file>
 
-<file path=ppt/slides/slide15.xml><?xml version="1.0" encoding="utf-8"?>
+<file path=ppt/slides/slide16.xml><?xml version="1.0" encoding="utf-8"?>
 <p:sld xmlns:a="http://schemas.openxmlformats.org/drawingml/2006/main" xmlns:r="http://schemas.openxmlformats.org/officeDocument/2006/relationships" xmlns:p="http://schemas.openxmlformats.org/presentationml/2006/main">
   <p:cSld>
     <p:spTree>

--- a/Bao_cao_Do_an.pptx
+++ b/Bao_cao_Do_an.pptx
@@ -600,7 +600,7 @@
           <a:p>
             <a:fld id="{121DB743-BB01-4D7D-A06D-0A26E5B0A987}" type="datetimeFigureOut">
               <a:rPr lang="en-US" smtClean="0"/>
-              <a:t>7/15/2021</a:t>
+              <a:t>7/19/2021</a:t>
             </a:fld>
             <a:endParaRPr lang="en-US"/>
           </a:p>
@@ -924,20 +924,24 @@
               <a:t>là</a:t>
             </a:r>
             <a:r>
+              <a:rPr lang="en-US" dirty="0"/>
+              <a:t> </a:t>
+            </a:r>
+            <a:r>
               <a:rPr lang="vi-VN" dirty="0"/>
-              <a:t> </a:t>
+              <a:t>phương </a:t>
             </a:r>
             <a:r>
               <a:rPr lang="vi-VN" dirty="0" err="1"/>
-              <a:t>một</a:t>
+              <a:t>thức</a:t>
             </a:r>
             <a:r>
               <a:rPr lang="vi-VN" dirty="0"/>
-              <a:t> phương </a:t>
+              <a:t> </a:t>
             </a:r>
             <a:r>
               <a:rPr lang="vi-VN" dirty="0" err="1"/>
-              <a:t>pháp</a:t>
+              <a:t>biểu</a:t>
             </a:r>
             <a:r>
               <a:rPr lang="vi-VN" dirty="0"/>
@@ -945,15 +949,509 @@
             </a:r>
             <a:r>
               <a:rPr lang="vi-VN" dirty="0" err="1"/>
-              <a:t>hữu</a:t>
+              <a:t>diễn</a:t>
             </a:r>
             <a:r>
               <a:rPr lang="vi-VN" dirty="0"/>
-              <a:t> </a:t>
+              <a:t> tri </a:t>
             </a:r>
             <a:r>
               <a:rPr lang="vi-VN" dirty="0" err="1"/>
-              <a:t>ích</a:t>
+              <a:t>thức</a:t>
+            </a:r>
+            <a:r>
+              <a:rPr lang="vi-VN" dirty="0"/>
+              <a:t> </a:t>
+            </a:r>
+            <a:r>
+              <a:rPr lang="vi-VN" dirty="0" err="1"/>
+              <a:t>nhằm</a:t>
+            </a:r>
+            <a:r>
+              <a:rPr lang="vi-VN" dirty="0"/>
+              <a:t> </a:t>
+            </a:r>
+            <a:r>
+              <a:rPr lang="vi-VN" dirty="0" err="1"/>
+              <a:t>biểu</a:t>
+            </a:r>
+            <a:r>
+              <a:rPr lang="vi-VN" dirty="0"/>
+              <a:t> </a:t>
+            </a:r>
+            <a:r>
+              <a:rPr lang="vi-VN" dirty="0" err="1"/>
+              <a:t>diễn</a:t>
+            </a:r>
+            <a:r>
+              <a:rPr lang="vi-VN" dirty="0"/>
+              <a:t> </a:t>
+            </a:r>
+            <a:r>
+              <a:rPr lang="vi-VN" dirty="0" err="1"/>
+              <a:t>tất</a:t>
+            </a:r>
+            <a:r>
+              <a:rPr lang="vi-VN" dirty="0"/>
+              <a:t> </a:t>
+            </a:r>
+            <a:r>
+              <a:rPr lang="vi-VN" dirty="0" err="1"/>
+              <a:t>cả</a:t>
+            </a:r>
+            <a:r>
+              <a:rPr lang="vi-VN" dirty="0"/>
+              <a:t> </a:t>
+            </a:r>
+            <a:r>
+              <a:rPr lang="vi-VN" dirty="0" err="1"/>
+              <a:t>các</a:t>
+            </a:r>
+            <a:r>
+              <a:rPr lang="vi-VN" dirty="0"/>
+              <a:t> </a:t>
+            </a:r>
+            <a:r>
+              <a:rPr lang="vi-VN" dirty="0" err="1"/>
+              <a:t>thực</a:t>
+            </a:r>
+            <a:r>
+              <a:rPr lang="vi-VN" dirty="0"/>
+              <a:t> </a:t>
+            </a:r>
+            <a:r>
+              <a:rPr lang="vi-VN" dirty="0" err="1"/>
+              <a:t>thể</a:t>
+            </a:r>
+            <a:r>
+              <a:rPr lang="vi-VN" dirty="0"/>
+              <a:t> </a:t>
+            </a:r>
+            <a:r>
+              <a:rPr lang="vi-VN" dirty="0" err="1"/>
+              <a:t>cùng</a:t>
+            </a:r>
+            <a:r>
+              <a:rPr lang="vi-VN" dirty="0"/>
+              <a:t> </a:t>
+            </a:r>
+            <a:r>
+              <a:rPr lang="vi-VN" dirty="0" err="1"/>
+              <a:t>với</a:t>
+            </a:r>
+            <a:r>
+              <a:rPr lang="vi-VN" dirty="0"/>
+              <a:t> </a:t>
+            </a:r>
+            <a:r>
+              <a:rPr lang="vi-VN" dirty="0" err="1"/>
+              <a:t>các</a:t>
+            </a:r>
+            <a:r>
+              <a:rPr lang="vi-VN" dirty="0"/>
+              <a:t> </a:t>
+            </a:r>
+            <a:r>
+              <a:rPr lang="vi-VN" dirty="0" err="1"/>
+              <a:t>mối</a:t>
+            </a:r>
+            <a:r>
+              <a:rPr lang="vi-VN" dirty="0"/>
+              <a:t> quan </a:t>
+            </a:r>
+            <a:r>
+              <a:rPr lang="vi-VN" dirty="0" err="1"/>
+              <a:t>hệ</a:t>
+            </a:r>
+            <a:r>
+              <a:rPr lang="vi-VN" dirty="0"/>
+              <a:t> </a:t>
+            </a:r>
+            <a:r>
+              <a:rPr lang="vi-VN" dirty="0" err="1"/>
+              <a:t>giữa</a:t>
+            </a:r>
+            <a:r>
+              <a:rPr lang="vi-VN" dirty="0"/>
+              <a:t> </a:t>
+            </a:r>
+            <a:r>
+              <a:rPr lang="vi-VN" dirty="0" err="1"/>
+              <a:t>chúng</a:t>
+            </a:r>
+            <a:r>
+              <a:rPr lang="vi-VN" dirty="0"/>
+              <a:t>. </a:t>
+            </a:r>
+            <a:r>
+              <a:rPr lang="vi-VN" dirty="0" err="1"/>
+              <a:t>Có</a:t>
+            </a:r>
+            <a:r>
+              <a:rPr lang="vi-VN" dirty="0"/>
+              <a:t> </a:t>
+            </a:r>
+            <a:r>
+              <a:rPr lang="vi-VN" dirty="0" err="1"/>
+              <a:t>nhiều</a:t>
+            </a:r>
+            <a:r>
+              <a:rPr lang="vi-VN" dirty="0"/>
+              <a:t> </a:t>
+            </a:r>
+            <a:r>
+              <a:rPr lang="vi-VN" dirty="0" err="1"/>
+              <a:t>định</a:t>
+            </a:r>
+            <a:r>
+              <a:rPr lang="vi-VN" dirty="0"/>
+              <a:t> </a:t>
+            </a:r>
+            <a:r>
+              <a:rPr lang="vi-VN" dirty="0" err="1"/>
+              <a:t>nghĩa</a:t>
+            </a:r>
+            <a:r>
+              <a:rPr lang="vi-VN" dirty="0"/>
+              <a:t> </a:t>
+            </a:r>
+            <a:r>
+              <a:rPr lang="vi-VN" dirty="0" err="1"/>
+              <a:t>của</a:t>
+            </a:r>
+            <a:r>
+              <a:rPr lang="vi-VN" dirty="0"/>
+              <a:t> </a:t>
+            </a:r>
+            <a:r>
+              <a:rPr lang="vi-VN" dirty="0" err="1"/>
+              <a:t>ontology</a:t>
+            </a:r>
+            <a:r>
+              <a:rPr lang="vi-VN" dirty="0"/>
+              <a:t>.</a:t>
+            </a:r>
+          </a:p>
+          <a:p>
+            <a:r>
+              <a:rPr lang="vi-VN" dirty="0"/>
+              <a:t> </a:t>
+            </a:r>
+            <a:endParaRPr lang="en-US" dirty="0"/>
+          </a:p>
+          <a:p>
+            <a:r>
+              <a:rPr lang="vi-VN" dirty="0" err="1"/>
+              <a:t>Rela-model</a:t>
+            </a:r>
+            <a:r>
+              <a:rPr lang="vi-VN" dirty="0"/>
+              <a:t> </a:t>
+            </a:r>
+            <a:r>
+              <a:rPr lang="vi-VN" dirty="0" err="1"/>
+              <a:t>là</a:t>
+            </a:r>
+            <a:r>
+              <a:rPr lang="vi-VN" dirty="0"/>
+              <a:t> </a:t>
+            </a:r>
+            <a:r>
+              <a:rPr lang="vi-VN" dirty="0" err="1"/>
+              <a:t>ontology</a:t>
+            </a:r>
+            <a:r>
+              <a:rPr lang="vi-VN" dirty="0"/>
+              <a:t> </a:t>
+            </a:r>
+            <a:r>
+              <a:rPr lang="vi-VN" dirty="0" err="1"/>
+              <a:t>biểu</a:t>
+            </a:r>
+            <a:r>
+              <a:rPr lang="vi-VN" dirty="0"/>
+              <a:t> </a:t>
+            </a:r>
+            <a:r>
+              <a:rPr lang="vi-VN" dirty="0" err="1"/>
+              <a:t>diễn</a:t>
+            </a:r>
+            <a:r>
+              <a:rPr lang="vi-VN" dirty="0"/>
+              <a:t> tri </a:t>
+            </a:r>
+            <a:r>
+              <a:rPr lang="vi-VN" dirty="0" err="1"/>
+              <a:t>thức</a:t>
+            </a:r>
+            <a:r>
+              <a:rPr lang="vi-VN" dirty="0"/>
+              <a:t> quan </a:t>
+            </a:r>
+            <a:r>
+              <a:rPr lang="vi-VN" dirty="0" err="1"/>
+              <a:t>hệ</a:t>
+            </a:r>
+            <a:r>
+              <a:rPr lang="vi-VN" dirty="0"/>
+              <a:t> </a:t>
+            </a:r>
+            <a:r>
+              <a:rPr lang="vi-VN" dirty="0" err="1"/>
+              <a:t>và</a:t>
+            </a:r>
+            <a:r>
+              <a:rPr lang="vi-VN" dirty="0"/>
+              <a:t> </a:t>
+            </a:r>
+            <a:r>
+              <a:rPr lang="vi-VN" dirty="0" err="1"/>
+              <a:t>đã</a:t>
+            </a:r>
+            <a:r>
+              <a:rPr lang="vi-VN" dirty="0"/>
+              <a:t> </a:t>
+            </a:r>
+            <a:r>
+              <a:rPr lang="vi-VN" dirty="0" err="1"/>
+              <a:t>được</a:t>
+            </a:r>
+            <a:r>
+              <a:rPr lang="vi-VN" dirty="0"/>
+              <a:t> </a:t>
+            </a:r>
+            <a:r>
+              <a:rPr lang="vi-VN" dirty="0" err="1"/>
+              <a:t>ứng</a:t>
+            </a:r>
+            <a:r>
+              <a:rPr lang="vi-VN" dirty="0"/>
+              <a:t> </a:t>
+            </a:r>
+            <a:r>
+              <a:rPr lang="vi-VN" dirty="0" err="1"/>
+              <a:t>dụng</a:t>
+            </a:r>
+            <a:r>
+              <a:rPr lang="vi-VN" dirty="0"/>
+              <a:t> trong </a:t>
+            </a:r>
+            <a:r>
+              <a:rPr lang="vi-VN" dirty="0" err="1"/>
+              <a:t>việc</a:t>
+            </a:r>
+            <a:r>
+              <a:rPr lang="vi-VN" dirty="0"/>
+              <a:t> </a:t>
+            </a:r>
+            <a:r>
+              <a:rPr lang="vi-VN" dirty="0" err="1"/>
+              <a:t>biểu</a:t>
+            </a:r>
+            <a:r>
+              <a:rPr lang="vi-VN" dirty="0"/>
+              <a:t> </a:t>
+            </a:r>
+            <a:r>
+              <a:rPr lang="vi-VN" dirty="0" err="1"/>
+              <a:t>diễn</a:t>
+            </a:r>
+            <a:r>
+              <a:rPr lang="vi-VN" dirty="0"/>
+              <a:t> </a:t>
+            </a:r>
+            <a:r>
+              <a:rPr lang="vi-VN" dirty="0" err="1"/>
+              <a:t>các</a:t>
+            </a:r>
+            <a:r>
+              <a:rPr lang="vi-VN" dirty="0"/>
+              <a:t> </a:t>
+            </a:r>
+            <a:r>
+              <a:rPr lang="vi-VN" dirty="0" err="1"/>
+              <a:t>miền</a:t>
+            </a:r>
+            <a:r>
+              <a:rPr lang="vi-VN" dirty="0"/>
+              <a:t> tri </a:t>
+            </a:r>
+            <a:r>
+              <a:rPr lang="vi-VN" dirty="0" err="1"/>
+              <a:t>thức</a:t>
+            </a:r>
+            <a:r>
+              <a:rPr lang="vi-VN" dirty="0"/>
+              <a:t> trong </a:t>
+            </a:r>
+            <a:r>
+              <a:rPr lang="vi-VN" dirty="0" err="1"/>
+              <a:t>giáo</a:t>
+            </a:r>
+            <a:r>
+              <a:rPr lang="vi-VN" dirty="0"/>
+              <a:t> </a:t>
+            </a:r>
+            <a:r>
+              <a:rPr lang="vi-VN" dirty="0" err="1"/>
+              <a:t>dục</a:t>
+            </a:r>
+            <a:r>
+              <a:rPr lang="vi-VN" dirty="0"/>
+              <a:t> </a:t>
+            </a:r>
+            <a:r>
+              <a:rPr lang="vi-VN" dirty="0" err="1"/>
+              <a:t>và</a:t>
+            </a:r>
+            <a:r>
+              <a:rPr lang="vi-VN" dirty="0"/>
+              <a:t> y khoa</a:t>
+            </a:r>
+          </a:p>
+          <a:p>
+            <a:endParaRPr lang="vi-VN" dirty="0"/>
+          </a:p>
+          <a:p>
+            <a:r>
+              <a:rPr lang="vi-VN" dirty="0" err="1"/>
+              <a:t>Ontology</a:t>
+            </a:r>
+            <a:r>
+              <a:rPr lang="vi-VN" dirty="0"/>
+              <a:t> COKB (</a:t>
+            </a:r>
+            <a:r>
+              <a:rPr lang="vi-VN" dirty="0" err="1"/>
+              <a:t>Computational</a:t>
+            </a:r>
+            <a:r>
+              <a:rPr lang="vi-VN" dirty="0"/>
+              <a:t> </a:t>
+            </a:r>
+            <a:r>
+              <a:rPr lang="vi-VN" dirty="0" err="1"/>
+              <a:t>Object</a:t>
+            </a:r>
+            <a:r>
+              <a:rPr lang="vi-VN" dirty="0"/>
+              <a:t> </a:t>
+            </a:r>
+            <a:r>
+              <a:rPr lang="vi-VN" dirty="0" err="1"/>
+              <a:t>Knowledge</a:t>
+            </a:r>
+            <a:r>
+              <a:rPr lang="vi-VN" dirty="0"/>
+              <a:t> </a:t>
+            </a:r>
+            <a:r>
+              <a:rPr lang="vi-VN" dirty="0" err="1"/>
+              <a:t>Base</a:t>
+            </a:r>
+            <a:r>
+              <a:rPr lang="vi-VN" dirty="0"/>
+              <a:t>) </a:t>
+            </a:r>
+            <a:r>
+              <a:rPr lang="vi-VN" dirty="0" err="1"/>
+              <a:t>biểu</a:t>
+            </a:r>
+            <a:r>
+              <a:rPr lang="vi-VN" dirty="0"/>
+              <a:t> </a:t>
+            </a:r>
+            <a:r>
+              <a:rPr lang="vi-VN" dirty="0" err="1"/>
+              <a:t>diễn</a:t>
+            </a:r>
+            <a:r>
+              <a:rPr lang="vi-VN" dirty="0"/>
+              <a:t> tri </a:t>
+            </a:r>
+            <a:r>
+              <a:rPr lang="vi-VN" dirty="0" err="1"/>
+              <a:t>thức</a:t>
+            </a:r>
+            <a:r>
+              <a:rPr lang="vi-VN" dirty="0"/>
+              <a:t> </a:t>
+            </a:r>
+            <a:r>
+              <a:rPr lang="vi-VN" dirty="0" err="1"/>
+              <a:t>về</a:t>
+            </a:r>
+            <a:r>
+              <a:rPr lang="vi-VN" dirty="0"/>
+              <a:t> </a:t>
+            </a:r>
+            <a:r>
+              <a:rPr lang="vi-VN" dirty="0" err="1"/>
+              <a:t>các</a:t>
+            </a:r>
+            <a:r>
+              <a:rPr lang="vi-VN" dirty="0"/>
+              <a:t> </a:t>
+            </a:r>
+            <a:r>
+              <a:rPr lang="vi-VN" dirty="0" err="1"/>
+              <a:t>đối</a:t>
+            </a:r>
+            <a:r>
+              <a:rPr lang="vi-VN" dirty="0"/>
+              <a:t> </a:t>
+            </a:r>
+            <a:r>
+              <a:rPr lang="vi-VN" dirty="0" err="1"/>
+              <a:t>tượng</a:t>
+            </a:r>
+            <a:r>
+              <a:rPr lang="vi-VN" dirty="0"/>
+              <a:t> </a:t>
+            </a:r>
+            <a:r>
+              <a:rPr lang="vi-VN" dirty="0" err="1"/>
+              <a:t>tính</a:t>
+            </a:r>
+            <a:r>
+              <a:rPr lang="vi-VN" dirty="0"/>
+              <a:t> </a:t>
+            </a:r>
+            <a:r>
+              <a:rPr lang="vi-VN" dirty="0" err="1"/>
+              <a:t>toán</a:t>
+            </a:r>
+            <a:r>
+              <a:rPr lang="vi-VN" dirty="0"/>
+              <a:t> </a:t>
+            </a:r>
+            <a:r>
+              <a:rPr lang="vi-VN" dirty="0" err="1"/>
+              <a:t>đã</a:t>
+            </a:r>
+            <a:r>
+              <a:rPr lang="vi-VN" dirty="0"/>
+              <a:t> </a:t>
+            </a:r>
+            <a:r>
+              <a:rPr lang="vi-VN" dirty="0" err="1"/>
+              <a:t>được</a:t>
+            </a:r>
+            <a:r>
+              <a:rPr lang="vi-VN" dirty="0"/>
+              <a:t> </a:t>
+            </a:r>
+            <a:r>
+              <a:rPr lang="vi-VN" dirty="0" err="1"/>
+              <a:t>sử</a:t>
+            </a:r>
+            <a:r>
+              <a:rPr lang="vi-VN" dirty="0"/>
+              <a:t> </a:t>
+            </a:r>
+            <a:r>
+              <a:rPr lang="vi-VN" dirty="0" err="1"/>
+              <a:t>dụng</a:t>
             </a:r>
             <a:r>
               <a:rPr lang="vi-VN" dirty="0"/>
@@ -969,7 +1467,7 @@
             </a:r>
             <a:r>
               <a:rPr lang="vi-VN" dirty="0" err="1"/>
-              <a:t>tổ</a:t>
+              <a:t>biểu</a:t>
             </a:r>
             <a:r>
               <a:rPr lang="vi-VN" dirty="0"/>
@@ -977,15 +1475,23 @@
             </a:r>
             <a:r>
               <a:rPr lang="vi-VN" dirty="0" err="1"/>
-              <a:t>chức</a:t>
+              <a:t>diễn</a:t>
             </a:r>
             <a:r>
               <a:rPr lang="vi-VN" dirty="0"/>
-              <a:t> cơ </a:t>
+              <a:t> cho </a:t>
             </a:r>
             <a:r>
               <a:rPr lang="vi-VN" dirty="0" err="1"/>
-              <a:t>sở</a:t>
+              <a:t>các</a:t>
+            </a:r>
+            <a:r>
+              <a:rPr lang="vi-VN" dirty="0"/>
+              <a:t> </a:t>
+            </a:r>
+            <a:r>
+              <a:rPr lang="vi-VN" dirty="0" err="1"/>
+              <a:t>miền</a:t>
             </a:r>
             <a:r>
               <a:rPr lang="vi-VN" dirty="0"/>
@@ -997,11 +1503,11 @@
             </a:r>
             <a:r>
               <a:rPr lang="vi-VN" dirty="0"/>
-              <a:t> cho </a:t>
+              <a:t> </a:t>
             </a:r>
             <a:r>
               <a:rPr lang="vi-VN" dirty="0" err="1"/>
-              <a:t>các</a:t>
+              <a:t>về</a:t>
             </a:r>
             <a:r>
               <a:rPr lang="vi-VN" dirty="0"/>
@@ -1009,7 +1515,7 @@
             </a:r>
             <a:r>
               <a:rPr lang="vi-VN" dirty="0" err="1"/>
-              <a:t>hệ</a:t>
+              <a:t>Toán</a:t>
             </a:r>
             <a:r>
               <a:rPr lang="vi-VN" dirty="0"/>
@@ -1017,7 +1523,7 @@
             </a:r>
             <a:r>
               <a:rPr lang="vi-VN" dirty="0" err="1"/>
-              <a:t>thống</a:t>
+              <a:t>rời</a:t>
             </a:r>
             <a:r>
               <a:rPr lang="vi-VN" dirty="0"/>
@@ -1025,73 +1531,7 @@
             </a:r>
             <a:r>
               <a:rPr lang="vi-VN" dirty="0" err="1"/>
-              <a:t>giáo</a:t>
-            </a:r>
-            <a:r>
-              <a:rPr lang="vi-VN" dirty="0"/>
-              <a:t> </a:t>
-            </a:r>
-            <a:r>
-              <a:rPr lang="vi-VN" dirty="0" err="1"/>
-              <a:t>dục</a:t>
-            </a:r>
-            <a:r>
-              <a:rPr lang="vi-VN" dirty="0"/>
-              <a:t> thông minh.</a:t>
-            </a:r>
-          </a:p>
-          <a:p>
-            <a:r>
-              <a:rPr lang="vi-VN" dirty="0" err="1"/>
-              <a:t>Rela-model</a:t>
-            </a:r>
-            <a:r>
-              <a:rPr lang="vi-VN" dirty="0"/>
-              <a:t> </a:t>
-            </a:r>
-            <a:r>
-              <a:rPr lang="vi-VN" dirty="0" err="1"/>
-              <a:t>là</a:t>
-            </a:r>
-            <a:r>
-              <a:rPr lang="vi-VN" dirty="0"/>
-              <a:t> </a:t>
-            </a:r>
-            <a:r>
-              <a:rPr lang="vi-VN" dirty="0" err="1"/>
-              <a:t>ontology</a:t>
-            </a:r>
-            <a:r>
-              <a:rPr lang="vi-VN" dirty="0"/>
-              <a:t> </a:t>
-            </a:r>
-            <a:r>
-              <a:rPr lang="vi-VN" dirty="0" err="1"/>
-              <a:t>biểu</a:t>
-            </a:r>
-            <a:r>
-              <a:rPr lang="vi-VN" dirty="0"/>
-              <a:t> </a:t>
-            </a:r>
-            <a:r>
-              <a:rPr lang="vi-VN" dirty="0" err="1"/>
-              <a:t>diễn</a:t>
-            </a:r>
-            <a:r>
-              <a:rPr lang="vi-VN" dirty="0"/>
-              <a:t> tri </a:t>
-            </a:r>
-            <a:r>
-              <a:rPr lang="vi-VN" dirty="0" err="1"/>
-              <a:t>thức</a:t>
-            </a:r>
-            <a:r>
-              <a:rPr lang="vi-VN" dirty="0"/>
-              <a:t> quan </a:t>
-            </a:r>
-            <a:r>
-              <a:rPr lang="vi-VN" dirty="0" err="1"/>
-              <a:t>hệ</a:t>
+              <a:t>rạc</a:t>
             </a:r>
             <a:r>
               <a:rPr lang="vi-VN" dirty="0"/>
@@ -1107,344 +1547,6 @@
             </a:r>
             <a:r>
               <a:rPr lang="vi-VN" dirty="0" err="1"/>
-              <a:t>đã</a:t>
-            </a:r>
-            <a:r>
-              <a:rPr lang="vi-VN" dirty="0"/>
-              <a:t> </a:t>
-            </a:r>
-            <a:r>
-              <a:rPr lang="vi-VN" dirty="0" err="1"/>
-              <a:t>được</a:t>
-            </a:r>
-            <a:r>
-              <a:rPr lang="vi-VN" dirty="0"/>
-              <a:t> </a:t>
-            </a:r>
-            <a:r>
-              <a:rPr lang="vi-VN" dirty="0" err="1"/>
-              <a:t>ứng</a:t>
-            </a:r>
-            <a:r>
-              <a:rPr lang="vi-VN" dirty="0"/>
-              <a:t> </a:t>
-            </a:r>
-            <a:r>
-              <a:rPr lang="vi-VN" dirty="0" err="1"/>
-              <a:t>dụng</a:t>
-            </a:r>
-            <a:r>
-              <a:rPr lang="vi-VN" dirty="0"/>
-              <a:t> trong </a:t>
-            </a:r>
-            <a:r>
-              <a:rPr lang="vi-VN" dirty="0" err="1"/>
-              <a:t>việc</a:t>
-            </a:r>
-            <a:r>
-              <a:rPr lang="vi-VN" dirty="0"/>
-              <a:t> </a:t>
-            </a:r>
-            <a:r>
-              <a:rPr lang="vi-VN" dirty="0" err="1"/>
-              <a:t>biểu</a:t>
-            </a:r>
-            <a:r>
-              <a:rPr lang="vi-VN" dirty="0"/>
-              <a:t> </a:t>
-            </a:r>
-            <a:r>
-              <a:rPr lang="vi-VN" dirty="0" err="1"/>
-              <a:t>diễn</a:t>
-            </a:r>
-            <a:r>
-              <a:rPr lang="vi-VN" dirty="0"/>
-              <a:t> </a:t>
-            </a:r>
-            <a:r>
-              <a:rPr lang="vi-VN" dirty="0" err="1"/>
-              <a:t>các</a:t>
-            </a:r>
-            <a:r>
-              <a:rPr lang="vi-VN" dirty="0"/>
-              <a:t> </a:t>
-            </a:r>
-            <a:r>
-              <a:rPr lang="vi-VN" dirty="0" err="1"/>
-              <a:t>miền</a:t>
-            </a:r>
-            <a:r>
-              <a:rPr lang="vi-VN" dirty="0"/>
-              <a:t> tri </a:t>
-            </a:r>
-            <a:r>
-              <a:rPr lang="vi-VN" dirty="0" err="1"/>
-              <a:t>thức</a:t>
-            </a:r>
-            <a:r>
-              <a:rPr lang="vi-VN" dirty="0"/>
-              <a:t> trong </a:t>
-            </a:r>
-            <a:r>
-              <a:rPr lang="vi-VN" dirty="0" err="1"/>
-              <a:t>giáo</a:t>
-            </a:r>
-            <a:r>
-              <a:rPr lang="vi-VN" dirty="0"/>
-              <a:t> </a:t>
-            </a:r>
-            <a:r>
-              <a:rPr lang="vi-VN" dirty="0" err="1"/>
-              <a:t>dục</a:t>
-            </a:r>
-            <a:r>
-              <a:rPr lang="vi-VN" dirty="0"/>
-              <a:t> </a:t>
-            </a:r>
-            <a:r>
-              <a:rPr lang="vi-VN" dirty="0" err="1"/>
-              <a:t>và</a:t>
-            </a:r>
-            <a:r>
-              <a:rPr lang="vi-VN" dirty="0"/>
-              <a:t> y khoa</a:t>
-            </a:r>
-          </a:p>
-          <a:p>
-            <a:r>
-              <a:rPr lang="vi-VN" dirty="0" err="1"/>
-              <a:t>Ontology</a:t>
-            </a:r>
-            <a:r>
-              <a:rPr lang="vi-VN" dirty="0"/>
-              <a:t> COKB (</a:t>
-            </a:r>
-            <a:r>
-              <a:rPr lang="vi-VN" dirty="0" err="1"/>
-              <a:t>Computational</a:t>
-            </a:r>
-            <a:r>
-              <a:rPr lang="vi-VN" dirty="0"/>
-              <a:t> </a:t>
-            </a:r>
-            <a:r>
-              <a:rPr lang="vi-VN" dirty="0" err="1"/>
-              <a:t>Object</a:t>
-            </a:r>
-            <a:r>
-              <a:rPr lang="vi-VN" dirty="0"/>
-              <a:t> </a:t>
-            </a:r>
-            <a:r>
-              <a:rPr lang="vi-VN" dirty="0" err="1"/>
-              <a:t>Knowledge</a:t>
-            </a:r>
-            <a:r>
-              <a:rPr lang="vi-VN" dirty="0"/>
-              <a:t> </a:t>
-            </a:r>
-            <a:r>
-              <a:rPr lang="vi-VN" dirty="0" err="1"/>
-              <a:t>Base</a:t>
-            </a:r>
-            <a:r>
-              <a:rPr lang="vi-VN" dirty="0"/>
-              <a:t>) </a:t>
-            </a:r>
-            <a:r>
-              <a:rPr lang="vi-VN" dirty="0" err="1"/>
-              <a:t>biểu</a:t>
-            </a:r>
-            <a:r>
-              <a:rPr lang="vi-VN" dirty="0"/>
-              <a:t> </a:t>
-            </a:r>
-            <a:r>
-              <a:rPr lang="vi-VN" dirty="0" err="1"/>
-              <a:t>diễn</a:t>
-            </a:r>
-            <a:r>
-              <a:rPr lang="vi-VN" dirty="0"/>
-              <a:t> tri </a:t>
-            </a:r>
-            <a:r>
-              <a:rPr lang="vi-VN" dirty="0" err="1"/>
-              <a:t>thức</a:t>
-            </a:r>
-            <a:r>
-              <a:rPr lang="vi-VN" dirty="0"/>
-              <a:t> </a:t>
-            </a:r>
-            <a:r>
-              <a:rPr lang="vi-VN" dirty="0" err="1"/>
-              <a:t>về</a:t>
-            </a:r>
-            <a:r>
-              <a:rPr lang="vi-VN" dirty="0"/>
-              <a:t> </a:t>
-            </a:r>
-            <a:r>
-              <a:rPr lang="vi-VN" dirty="0" err="1"/>
-              <a:t>các</a:t>
-            </a:r>
-            <a:r>
-              <a:rPr lang="vi-VN" dirty="0"/>
-              <a:t> </a:t>
-            </a:r>
-            <a:r>
-              <a:rPr lang="vi-VN" dirty="0" err="1"/>
-              <a:t>đối</a:t>
-            </a:r>
-            <a:r>
-              <a:rPr lang="vi-VN" dirty="0"/>
-              <a:t> </a:t>
-            </a:r>
-            <a:r>
-              <a:rPr lang="vi-VN" dirty="0" err="1"/>
-              <a:t>tượng</a:t>
-            </a:r>
-            <a:r>
-              <a:rPr lang="vi-VN" dirty="0"/>
-              <a:t> </a:t>
-            </a:r>
-            <a:r>
-              <a:rPr lang="vi-VN" dirty="0" err="1"/>
-              <a:t>tính</a:t>
-            </a:r>
-            <a:r>
-              <a:rPr lang="vi-VN" dirty="0"/>
-              <a:t> </a:t>
-            </a:r>
-            <a:r>
-              <a:rPr lang="vi-VN" dirty="0" err="1"/>
-              <a:t>toán</a:t>
-            </a:r>
-            <a:r>
-              <a:rPr lang="vi-VN" dirty="0"/>
-              <a:t> </a:t>
-            </a:r>
-            <a:r>
-              <a:rPr lang="vi-VN" dirty="0" err="1"/>
-              <a:t>đã</a:t>
-            </a:r>
-            <a:r>
-              <a:rPr lang="vi-VN" dirty="0"/>
-              <a:t> </a:t>
-            </a:r>
-            <a:r>
-              <a:rPr lang="vi-VN" dirty="0" err="1"/>
-              <a:t>được</a:t>
-            </a:r>
-            <a:r>
-              <a:rPr lang="vi-VN" dirty="0"/>
-              <a:t> </a:t>
-            </a:r>
-            <a:r>
-              <a:rPr lang="vi-VN" dirty="0" err="1"/>
-              <a:t>sử</a:t>
-            </a:r>
-            <a:r>
-              <a:rPr lang="vi-VN" dirty="0"/>
-              <a:t> </a:t>
-            </a:r>
-            <a:r>
-              <a:rPr lang="vi-VN" dirty="0" err="1"/>
-              <a:t>dụng</a:t>
-            </a:r>
-            <a:r>
-              <a:rPr lang="vi-VN" dirty="0"/>
-              <a:t> </a:t>
-            </a:r>
-            <a:r>
-              <a:rPr lang="vi-VN" dirty="0" err="1"/>
-              <a:t>để</a:t>
-            </a:r>
-            <a:r>
-              <a:rPr lang="vi-VN" dirty="0"/>
-              <a:t> </a:t>
-            </a:r>
-            <a:r>
-              <a:rPr lang="vi-VN" dirty="0" err="1"/>
-              <a:t>biểu</a:t>
-            </a:r>
-            <a:r>
-              <a:rPr lang="vi-VN" dirty="0"/>
-              <a:t> </a:t>
-            </a:r>
-            <a:r>
-              <a:rPr lang="vi-VN" dirty="0" err="1"/>
-              <a:t>diễn</a:t>
-            </a:r>
-            <a:r>
-              <a:rPr lang="vi-VN" dirty="0"/>
-              <a:t> cho </a:t>
-            </a:r>
-            <a:r>
-              <a:rPr lang="vi-VN" dirty="0" err="1"/>
-              <a:t>các</a:t>
-            </a:r>
-            <a:r>
-              <a:rPr lang="vi-VN" dirty="0"/>
-              <a:t> </a:t>
-            </a:r>
-            <a:r>
-              <a:rPr lang="vi-VN" dirty="0" err="1"/>
-              <a:t>miền</a:t>
-            </a:r>
-            <a:r>
-              <a:rPr lang="vi-VN" dirty="0"/>
-              <a:t> tri </a:t>
-            </a:r>
-            <a:r>
-              <a:rPr lang="vi-VN" dirty="0" err="1"/>
-              <a:t>thức</a:t>
-            </a:r>
-            <a:r>
-              <a:rPr lang="vi-VN" dirty="0"/>
-              <a:t> </a:t>
-            </a:r>
-            <a:r>
-              <a:rPr lang="vi-VN" dirty="0" err="1"/>
-              <a:t>về</a:t>
-            </a:r>
-            <a:r>
-              <a:rPr lang="vi-VN" dirty="0"/>
-              <a:t> </a:t>
-            </a:r>
-            <a:r>
-              <a:rPr lang="vi-VN" dirty="0" err="1"/>
-              <a:t>Toán</a:t>
-            </a:r>
-            <a:r>
-              <a:rPr lang="vi-VN" dirty="0"/>
-              <a:t> </a:t>
-            </a:r>
-            <a:r>
-              <a:rPr lang="vi-VN" dirty="0" err="1"/>
-              <a:t>rời</a:t>
-            </a:r>
-            <a:r>
-              <a:rPr lang="vi-VN" dirty="0"/>
-              <a:t> </a:t>
-            </a:r>
-            <a:r>
-              <a:rPr lang="vi-VN" dirty="0" err="1"/>
-              <a:t>rạc</a:t>
-            </a:r>
-            <a:r>
-              <a:rPr lang="vi-VN" dirty="0"/>
-              <a:t> </a:t>
-            </a:r>
-            <a:r>
-              <a:rPr lang="vi-VN" dirty="0" err="1"/>
-              <a:t>và</a:t>
-            </a:r>
-            <a:r>
-              <a:rPr lang="vi-VN" dirty="0"/>
-              <a:t> </a:t>
-            </a:r>
-            <a:r>
-              <a:rPr lang="vi-VN" dirty="0" err="1"/>
               <a:t>Lý</a:t>
             </a:r>
             <a:r>
@@ -1475,6 +1577,9 @@
               <a:rPr lang="vi-VN" dirty="0"/>
               <a:t> </a:t>
             </a:r>
+          </a:p>
+          <a:p>
+            <a:endParaRPr lang="vi-VN" dirty="0"/>
           </a:p>
           <a:p>
             <a:r>
@@ -1823,7 +1928,34 @@
               <a:rPr lang="vi-VN" dirty="0" err="1"/>
               <a:t>Rela-model</a:t>
             </a:r>
-            <a:endParaRPr lang="vi-VN" dirty="0"/>
+            <a:r>
+              <a:rPr lang="vi-VN" dirty="0"/>
+              <a:t> </a:t>
+            </a:r>
+            <a:r>
+              <a:rPr lang="vi-VN" dirty="0" err="1"/>
+              <a:t>về</a:t>
+            </a:r>
+            <a:r>
+              <a:rPr lang="vi-VN" dirty="0"/>
+              <a:t> 2 </a:t>
+            </a:r>
+            <a:r>
+              <a:rPr lang="vi-VN" dirty="0" err="1"/>
+              <a:t>khía</a:t>
+            </a:r>
+            <a:r>
+              <a:rPr lang="vi-VN" dirty="0"/>
+              <a:t> </a:t>
+            </a:r>
+            <a:r>
+              <a:rPr lang="vi-VN" dirty="0" err="1"/>
+              <a:t>cạnh</a:t>
+            </a:r>
+            <a:r>
+              <a:rPr lang="vi-VN" dirty="0"/>
+              <a:t>: </a:t>
+            </a:r>
           </a:p>
           <a:p>
             <a:endParaRPr lang="en-US" dirty="0"/>
@@ -3275,7 +3407,7 @@
           <a:p>
             <a:fld id="{1BDBB8E3-051A-4F4A-BAD4-603CA2F58518}" type="datetimeFigureOut">
               <a:rPr lang="vi-VN" smtClean="0"/>
-              <a:t>15/07/2021</a:t>
+              <a:t>19/07/2021</a:t>
             </a:fld>
             <a:endParaRPr lang="vi-VN"/>
           </a:p>
@@ -3526,7 +3658,7 @@
           <a:p>
             <a:fld id="{1BDBB8E3-051A-4F4A-BAD4-603CA2F58518}" type="datetimeFigureOut">
               <a:rPr lang="vi-VN" smtClean="0"/>
-              <a:t>15/07/2021</a:t>
+              <a:t>19/07/2021</a:t>
             </a:fld>
             <a:endParaRPr lang="vi-VN"/>
           </a:p>
@@ -3840,7 +3972,7 @@
           <a:p>
             <a:fld id="{1BDBB8E3-051A-4F4A-BAD4-603CA2F58518}" type="datetimeFigureOut">
               <a:rPr lang="vi-VN" smtClean="0"/>
-              <a:t>15/07/2021</a:t>
+              <a:t>19/07/2021</a:t>
             </a:fld>
             <a:endParaRPr lang="vi-VN"/>
           </a:p>
@@ -4181,7 +4313,7 @@
           <a:p>
             <a:fld id="{1BDBB8E3-051A-4F4A-BAD4-603CA2F58518}" type="datetimeFigureOut">
               <a:rPr lang="vi-VN" smtClean="0"/>
-              <a:t>15/07/2021</a:t>
+              <a:t>19/07/2021</a:t>
             </a:fld>
             <a:endParaRPr lang="vi-VN"/>
           </a:p>
@@ -4495,7 +4627,7 @@
           <a:p>
             <a:fld id="{1BDBB8E3-051A-4F4A-BAD4-603CA2F58518}" type="datetimeFigureOut">
               <a:rPr lang="vi-VN" smtClean="0"/>
-              <a:t>15/07/2021</a:t>
+              <a:t>19/07/2021</a:t>
             </a:fld>
             <a:endParaRPr lang="vi-VN"/>
           </a:p>
@@ -4888,7 +5020,7 @@
           <a:p>
             <a:fld id="{1BDBB8E3-051A-4F4A-BAD4-603CA2F58518}" type="datetimeFigureOut">
               <a:rPr lang="vi-VN" smtClean="0"/>
-              <a:t>15/07/2021</a:t>
+              <a:t>19/07/2021</a:t>
             </a:fld>
             <a:endParaRPr lang="vi-VN"/>
           </a:p>
@@ -5058,7 +5190,7 @@
           <a:p>
             <a:fld id="{1BDBB8E3-051A-4F4A-BAD4-603CA2F58518}" type="datetimeFigureOut">
               <a:rPr lang="vi-VN" smtClean="0"/>
-              <a:t>15/07/2021</a:t>
+              <a:t>19/07/2021</a:t>
             </a:fld>
             <a:endParaRPr lang="vi-VN"/>
           </a:p>
@@ -5238,7 +5370,7 @@
           <a:p>
             <a:fld id="{1BDBB8E3-051A-4F4A-BAD4-603CA2F58518}" type="datetimeFigureOut">
               <a:rPr lang="vi-VN" smtClean="0"/>
-              <a:t>15/07/2021</a:t>
+              <a:t>19/07/2021</a:t>
             </a:fld>
             <a:endParaRPr lang="vi-VN"/>
           </a:p>
@@ -5414,7 +5546,7 @@
           <a:p>
             <a:fld id="{1BDBB8E3-051A-4F4A-BAD4-603CA2F58518}" type="datetimeFigureOut">
               <a:rPr lang="vi-VN" smtClean="0"/>
-              <a:t>15/07/2021</a:t>
+              <a:t>19/07/2021</a:t>
             </a:fld>
             <a:endParaRPr lang="vi-VN"/>
           </a:p>
@@ -5661,7 +5793,7 @@
           <a:p>
             <a:fld id="{1BDBB8E3-051A-4F4A-BAD4-603CA2F58518}" type="datetimeFigureOut">
               <a:rPr lang="vi-VN" smtClean="0"/>
-              <a:t>15/07/2021</a:t>
+              <a:t>19/07/2021</a:t>
             </a:fld>
             <a:endParaRPr lang="vi-VN"/>
           </a:p>
@@ -5893,7 +6025,7 @@
           <a:p>
             <a:fld id="{1BDBB8E3-051A-4F4A-BAD4-603CA2F58518}" type="datetimeFigureOut">
               <a:rPr lang="vi-VN" smtClean="0"/>
-              <a:t>15/07/2021</a:t>
+              <a:t>19/07/2021</a:t>
             </a:fld>
             <a:endParaRPr lang="vi-VN"/>
           </a:p>
@@ -6267,7 +6399,7 @@
           <a:p>
             <a:fld id="{1BDBB8E3-051A-4F4A-BAD4-603CA2F58518}" type="datetimeFigureOut">
               <a:rPr lang="vi-VN" smtClean="0"/>
-              <a:t>15/07/2021</a:t>
+              <a:t>19/07/2021</a:t>
             </a:fld>
             <a:endParaRPr lang="vi-VN"/>
           </a:p>
@@ -6390,7 +6522,7 @@
           <a:p>
             <a:fld id="{1BDBB8E3-051A-4F4A-BAD4-603CA2F58518}" type="datetimeFigureOut">
               <a:rPr lang="vi-VN" smtClean="0"/>
-              <a:t>15/07/2021</a:t>
+              <a:t>19/07/2021</a:t>
             </a:fld>
             <a:endParaRPr lang="vi-VN"/>
           </a:p>
@@ -6485,7 +6617,7 @@
           <a:p>
             <a:fld id="{1BDBB8E3-051A-4F4A-BAD4-603CA2F58518}" type="datetimeFigureOut">
               <a:rPr lang="vi-VN" smtClean="0"/>
-              <a:t>15/07/2021</a:t>
+              <a:t>19/07/2021</a:t>
             </a:fld>
             <a:endParaRPr lang="vi-VN"/>
           </a:p>
@@ -6740,7 +6872,7 @@
           <a:p>
             <a:fld id="{1BDBB8E3-051A-4F4A-BAD4-603CA2F58518}" type="datetimeFigureOut">
               <a:rPr lang="vi-VN" smtClean="0"/>
-              <a:t>15/07/2021</a:t>
+              <a:t>19/07/2021</a:t>
             </a:fld>
             <a:endParaRPr lang="vi-VN"/>
           </a:p>
@@ -7003,7 +7135,7 @@
           <a:p>
             <a:fld id="{1BDBB8E3-051A-4F4A-BAD4-603CA2F58518}" type="datetimeFigureOut">
               <a:rPr lang="vi-VN" smtClean="0"/>
-              <a:t>15/07/2021</a:t>
+              <a:t>19/07/2021</a:t>
             </a:fld>
             <a:endParaRPr lang="vi-VN"/>
           </a:p>
@@ -7746,7 +7878,7 @@
           <a:p>
             <a:fld id="{1BDBB8E3-051A-4F4A-BAD4-603CA2F58518}" type="datetimeFigureOut">
               <a:rPr lang="vi-VN" smtClean="0"/>
-              <a:t>15/07/2021</a:t>
+              <a:t>19/07/2021</a:t>
             </a:fld>
             <a:endParaRPr lang="vi-VN"/>
           </a:p>
@@ -13469,7 +13601,7 @@
         </p:nvSpPr>
         <p:spPr>
           <a:xfrm>
-            <a:off x="4873345" y="3213359"/>
+            <a:off x="4892844" y="2857371"/>
             <a:ext cx="2741126" cy="981788"/>
           </a:xfrm>
           <a:prstGeom prst="roundRect">
@@ -13575,7 +13707,7 @@
         </p:nvSpPr>
         <p:spPr>
           <a:xfrm>
-            <a:off x="4873345" y="4955852"/>
+            <a:off x="4873345" y="4062056"/>
             <a:ext cx="2741126" cy="981788"/>
           </a:xfrm>
           <a:prstGeom prst="roundRect">
@@ -13648,9 +13780,9 @@
           <p:nvPr/>
         </p:nvCxnSpPr>
         <p:spPr>
-          <a:xfrm>
-            <a:off x="2394167" y="3704253"/>
-            <a:ext cx="2479178" cy="0"/>
+          <a:xfrm flipV="1">
+            <a:off x="2394167" y="3348265"/>
+            <a:ext cx="2498677" cy="355988"/>
           </a:xfrm>
           <a:prstGeom prst="straightConnector1">
             <a:avLst/>
@@ -13693,7 +13825,7 @@
         <p:spPr>
           <a:xfrm>
             <a:off x="2394167" y="3704253"/>
-            <a:ext cx="2479178" cy="1742493"/>
+            <a:ext cx="2479178" cy="848697"/>
           </a:xfrm>
           <a:prstGeom prst="straightConnector1">
             <a:avLst/>
@@ -13717,6 +13849,90 @@
           </a:fontRef>
         </p:style>
       </p:cxnSp>
+      <p:cxnSp>
+        <p:nvCxnSpPr>
+          <p:cNvPr id="13" name="Straight Arrow Connector 12">
+            <a:extLst>
+              <a:ext uri="{FF2B5EF4-FFF2-40B4-BE49-F238E27FC236}">
+                <a16:creationId xmlns:a16="http://schemas.microsoft.com/office/drawing/2014/main" id="{F1B951A4-CDE8-4F9B-AE53-D0339E9CB735}"/>
+              </a:ext>
+            </a:extLst>
+          </p:cNvPr>
+          <p:cNvCxnSpPr>
+            <a:cxnSpLocks/>
+            <a:stCxn id="4" idx="3"/>
+          </p:cNvCxnSpPr>
+          <p:nvPr/>
+        </p:nvCxnSpPr>
+        <p:spPr>
+          <a:xfrm>
+            <a:off x="2394167" y="3704253"/>
+            <a:ext cx="2498677" cy="2016449"/>
+          </a:xfrm>
+          <a:prstGeom prst="straightConnector1">
+            <a:avLst/>
+          </a:prstGeom>
+          <a:ln w="38100">
+            <a:tailEnd type="triangle"/>
+          </a:ln>
+        </p:spPr>
+        <p:style>
+          <a:lnRef idx="1">
+            <a:schemeClr val="dk1"/>
+          </a:lnRef>
+          <a:fillRef idx="0">
+            <a:schemeClr val="dk1"/>
+          </a:fillRef>
+          <a:effectRef idx="0">
+            <a:schemeClr val="dk1"/>
+          </a:effectRef>
+          <a:fontRef idx="minor">
+            <a:schemeClr val="tx1"/>
+          </a:fontRef>
+        </p:style>
+      </p:cxnSp>
+      <p:sp>
+        <p:nvSpPr>
+          <p:cNvPr id="16" name="TextBox 15">
+            <a:extLst>
+              <a:ext uri="{FF2B5EF4-FFF2-40B4-BE49-F238E27FC236}">
+                <a16:creationId xmlns:a16="http://schemas.microsoft.com/office/drawing/2014/main" id="{3E9B7D47-6660-45E9-A5DF-0C0086F6E9CC}"/>
+              </a:ext>
+            </a:extLst>
+          </p:cNvPr>
+          <p:cNvSpPr txBox="1"/>
+          <p:nvPr/>
+        </p:nvSpPr>
+        <p:spPr>
+          <a:xfrm>
+            <a:off x="5117432" y="5443703"/>
+            <a:ext cx="569387" cy="553998"/>
+          </a:xfrm>
+          <a:prstGeom prst="rect">
+            <a:avLst/>
+          </a:prstGeom>
+          <a:noFill/>
+        </p:spPr>
+        <p:txBody>
+          <a:bodyPr wrap="none" rtlCol="0">
+            <a:spAutoFit/>
+          </a:bodyPr>
+          <a:lstStyle/>
+          <a:p>
+            <a:r>
+              <a:rPr lang="vi-VN" sz="3000" b="1" dirty="0">
+                <a:latin typeface="Times New Roman" panose="02020603050405020304" pitchFamily="18" charset="0"/>
+                <a:cs typeface="Times New Roman" panose="02020603050405020304" pitchFamily="18" charset="0"/>
+              </a:rPr>
+              <a:t>…</a:t>
+            </a:r>
+            <a:endParaRPr lang="en-US" sz="3000" b="1" dirty="0">
+              <a:latin typeface="Times New Roman" panose="02020603050405020304" pitchFamily="18" charset="0"/>
+              <a:cs typeface="Times New Roman" panose="02020603050405020304" pitchFamily="18" charset="0"/>
+            </a:endParaRPr>
+          </a:p>
+        </p:txBody>
+      </p:sp>
     </p:spTree>
     <p:extLst>
       <p:ext uri="{BB962C8B-B14F-4D97-AF65-F5344CB8AC3E}">
@@ -14064,6 +14280,94 @@
                       </p:childTnLst>
                     </p:cTn>
                   </p:par>
+                  <p:par>
+                    <p:cTn id="32" fill="hold">
+                      <p:stCondLst>
+                        <p:cond delay="indefinite"/>
+                      </p:stCondLst>
+                      <p:childTnLst>
+                        <p:par>
+                          <p:cTn id="33" fill="hold">
+                            <p:stCondLst>
+                              <p:cond delay="0"/>
+                            </p:stCondLst>
+                            <p:childTnLst>
+                              <p:par>
+                                <p:cTn id="34" presetID="22" presetClass="entr" presetSubtype="8" fill="hold" nodeType="clickEffect">
+                                  <p:stCondLst>
+                                    <p:cond delay="0"/>
+                                  </p:stCondLst>
+                                  <p:childTnLst>
+                                    <p:set>
+                                      <p:cBhvr>
+                                        <p:cTn id="35" dur="1" fill="hold">
+                                          <p:stCondLst>
+                                            <p:cond delay="0"/>
+                                          </p:stCondLst>
+                                        </p:cTn>
+                                        <p:tgtEl>
+                                          <p:spTgt spid="13"/>
+                                        </p:tgtEl>
+                                        <p:attrNameLst>
+                                          <p:attrName>style.visibility</p:attrName>
+                                        </p:attrNameLst>
+                                      </p:cBhvr>
+                                      <p:to>
+                                        <p:strVal val="visible"/>
+                                      </p:to>
+                                    </p:set>
+                                    <p:animEffect transition="in" filter="wipe(left)">
+                                      <p:cBhvr>
+                                        <p:cTn id="36" dur="500"/>
+                                        <p:tgtEl>
+                                          <p:spTgt spid="13"/>
+                                        </p:tgtEl>
+                                      </p:cBhvr>
+                                    </p:animEffect>
+                                  </p:childTnLst>
+                                </p:cTn>
+                              </p:par>
+                              <p:par>
+                                <p:cTn id="37" presetID="22" presetClass="entr" presetSubtype="8" fill="hold" grpId="0" nodeType="withEffect">
+                                  <p:stCondLst>
+                                    <p:cond delay="0"/>
+                                  </p:stCondLst>
+                                  <p:childTnLst>
+                                    <p:set>
+                                      <p:cBhvr>
+                                        <p:cTn id="38" dur="1" fill="hold">
+                                          <p:stCondLst>
+                                            <p:cond delay="0"/>
+                                          </p:stCondLst>
+                                        </p:cTn>
+                                        <p:tgtEl>
+                                          <p:spTgt spid="16"/>
+                                        </p:tgtEl>
+                                        <p:attrNameLst>
+                                          <p:attrName>style.visibility</p:attrName>
+                                        </p:attrNameLst>
+                                      </p:cBhvr>
+                                      <p:to>
+                                        <p:strVal val="visible"/>
+                                      </p:to>
+                                    </p:set>
+                                    <p:animEffect transition="in" filter="wipe(left)">
+                                      <p:cBhvr>
+                                        <p:cTn id="39" dur="500"/>
+                                        <p:tgtEl>
+                                          <p:spTgt spid="16"/>
+                                        </p:tgtEl>
+                                      </p:cBhvr>
+                                    </p:animEffect>
+                                  </p:childTnLst>
+                                </p:cTn>
+                              </p:par>
+                            </p:childTnLst>
+                          </p:cTn>
+                        </p:par>
+                      </p:childTnLst>
+                    </p:cTn>
+                  </p:par>
                 </p:childTnLst>
               </p:cTn>
               <p:prevCondLst>
@@ -14090,6 +14394,7 @@
       <p:bldP spid="8" grpId="0" animBg="1"/>
       <p:bldP spid="10" grpId="0" animBg="1"/>
       <p:bldP spid="14" grpId="0" animBg="1"/>
+      <p:bldP spid="16" grpId="0"/>
     </p:bldLst>
   </p:timing>
 </p:sld>
